--- a/Students/johnlusher/Project_3/ECEN689_Project_3_John_Lusher.pptx
+++ b/Students/johnlusher/Project_3/ECEN689_Project_3_John_Lusher.pptx
@@ -8,7 +8,7 @@
     <p:sldMasterId id="2147484311" r:id="rId4"/>
   </p:sldMasterIdLst>
   <p:notesMasterIdLst>
-    <p:notesMasterId r:id="rId11"/>
+    <p:notesMasterId r:id="rId13"/>
   </p:notesMasterIdLst>
   <p:sldIdLst>
     <p:sldId id="258" r:id="rId5"/>
@@ -16,12 +16,14 @@
     <p:sldId id="421" r:id="rId7"/>
     <p:sldId id="447" r:id="rId8"/>
     <p:sldId id="448" r:id="rId9"/>
-    <p:sldId id="446" r:id="rId10"/>
+    <p:sldId id="450" r:id="rId10"/>
+    <p:sldId id="451" r:id="rId11"/>
+    <p:sldId id="446" r:id="rId12"/>
   </p:sldIdLst>
   <p:sldSz cx="9144000" cy="6858000" type="screen4x3"/>
   <p:notesSz cx="6858000" cy="9144000"/>
   <p:custDataLst>
-    <p:tags r:id="rId12"/>
+    <p:tags r:id="rId14"/>
   </p:custDataLst>
   <p:defaultTextStyle>
     <a:defPPr>
@@ -1201,6 +1203,186 @@
                 <a:defRPr/>
               </a:pPr>
               <a:t>5</a:t>
+            </a:fld>
+            <a:endParaRPr lang="en-US" dirty="0"/>
+          </a:p>
+        </p:txBody>
+      </p:sp>
+    </p:spTree>
+    <p:extLst>
+      <p:ext uri="{BB962C8B-B14F-4D97-AF65-F5344CB8AC3E}">
+        <p14:creationId xmlns:p14="http://schemas.microsoft.com/office/powerpoint/2010/main" val="3965723461"/>
+      </p:ext>
+    </p:extLst>
+  </p:cSld>
+  <p:clrMapOvr>
+    <a:masterClrMapping/>
+  </p:clrMapOvr>
+</p:notes>
+</file>
+
+<file path=ppt/notesSlides/notesSlide7.xml><?xml version="1.0" encoding="utf-8"?>
+<p:notes xmlns:a="http://schemas.openxmlformats.org/drawingml/2006/main" xmlns:r="http://schemas.openxmlformats.org/officeDocument/2006/relationships" xmlns:p="http://schemas.openxmlformats.org/presentationml/2006/main">
+  <p:cSld>
+    <p:spTree>
+      <p:nvGrpSpPr>
+        <p:cNvPr id="1" name=""/>
+        <p:cNvGrpSpPr/>
+        <p:nvPr/>
+      </p:nvGrpSpPr>
+      <p:grpSpPr>
+        <a:xfrm>
+          <a:off x="0" y="0"/>
+          <a:ext cx="0" cy="0"/>
+          <a:chOff x="0" y="0"/>
+          <a:chExt cx="0" cy="0"/>
+        </a:xfrm>
+      </p:grpSpPr>
+      <p:sp>
+        <p:nvSpPr>
+          <p:cNvPr id="2" name="Slide Image Placeholder 1"/>
+          <p:cNvSpPr>
+            <a:spLocks noGrp="1" noRot="1" noChangeAspect="1"/>
+          </p:cNvSpPr>
+          <p:nvPr>
+            <p:ph type="sldImg"/>
+          </p:nvPr>
+        </p:nvSpPr>
+        <p:spPr/>
+      </p:sp>
+      <p:sp>
+        <p:nvSpPr>
+          <p:cNvPr id="3" name="Notes Placeholder 2"/>
+          <p:cNvSpPr>
+            <a:spLocks noGrp="1"/>
+          </p:cNvSpPr>
+          <p:nvPr>
+            <p:ph type="body" idx="1"/>
+          </p:nvPr>
+        </p:nvSpPr>
+        <p:spPr/>
+        <p:txBody>
+          <a:bodyPr/>
+          <a:lstStyle/>
+          <a:p>
+            <a:endParaRPr lang="en-US"/>
+          </a:p>
+        </p:txBody>
+      </p:sp>
+      <p:sp>
+        <p:nvSpPr>
+          <p:cNvPr id="4" name="Slide Number Placeholder 3"/>
+          <p:cNvSpPr>
+            <a:spLocks noGrp="1"/>
+          </p:cNvSpPr>
+          <p:nvPr>
+            <p:ph type="sldNum" sz="quarter" idx="10"/>
+          </p:nvPr>
+        </p:nvSpPr>
+        <p:spPr/>
+        <p:txBody>
+          <a:bodyPr/>
+          <a:lstStyle/>
+          <a:p>
+            <a:pPr>
+              <a:defRPr/>
+            </a:pPr>
+            <a:fld id="{6821B8DC-5865-4814-89E3-338EF8A79332}" type="slidenum">
+              <a:rPr lang="en-US" smtClean="0"/>
+              <a:pPr>
+                <a:defRPr/>
+              </a:pPr>
+              <a:t>6</a:t>
+            </a:fld>
+            <a:endParaRPr lang="en-US" dirty="0"/>
+          </a:p>
+        </p:txBody>
+      </p:sp>
+    </p:spTree>
+    <p:extLst>
+      <p:ext uri="{BB962C8B-B14F-4D97-AF65-F5344CB8AC3E}">
+        <p14:creationId xmlns:p14="http://schemas.microsoft.com/office/powerpoint/2010/main" val="3452411996"/>
+      </p:ext>
+    </p:extLst>
+  </p:cSld>
+  <p:clrMapOvr>
+    <a:masterClrMapping/>
+  </p:clrMapOvr>
+</p:notes>
+</file>
+
+<file path=ppt/notesSlides/notesSlide8.xml><?xml version="1.0" encoding="utf-8"?>
+<p:notes xmlns:a="http://schemas.openxmlformats.org/drawingml/2006/main" xmlns:r="http://schemas.openxmlformats.org/officeDocument/2006/relationships" xmlns:p="http://schemas.openxmlformats.org/presentationml/2006/main">
+  <p:cSld>
+    <p:spTree>
+      <p:nvGrpSpPr>
+        <p:cNvPr id="1" name=""/>
+        <p:cNvGrpSpPr/>
+        <p:nvPr/>
+      </p:nvGrpSpPr>
+      <p:grpSpPr>
+        <a:xfrm>
+          <a:off x="0" y="0"/>
+          <a:ext cx="0" cy="0"/>
+          <a:chOff x="0" y="0"/>
+          <a:chExt cx="0" cy="0"/>
+        </a:xfrm>
+      </p:grpSpPr>
+      <p:sp>
+        <p:nvSpPr>
+          <p:cNvPr id="2" name="Slide Image Placeholder 1"/>
+          <p:cNvSpPr>
+            <a:spLocks noGrp="1" noRot="1" noChangeAspect="1"/>
+          </p:cNvSpPr>
+          <p:nvPr>
+            <p:ph type="sldImg"/>
+          </p:nvPr>
+        </p:nvSpPr>
+        <p:spPr/>
+      </p:sp>
+      <p:sp>
+        <p:nvSpPr>
+          <p:cNvPr id="3" name="Notes Placeholder 2"/>
+          <p:cNvSpPr>
+            <a:spLocks noGrp="1"/>
+          </p:cNvSpPr>
+          <p:nvPr>
+            <p:ph type="body" idx="1"/>
+          </p:nvPr>
+        </p:nvSpPr>
+        <p:spPr/>
+        <p:txBody>
+          <a:bodyPr/>
+          <a:lstStyle/>
+          <a:p>
+            <a:endParaRPr lang="en-US"/>
+          </a:p>
+        </p:txBody>
+      </p:sp>
+      <p:sp>
+        <p:nvSpPr>
+          <p:cNvPr id="4" name="Slide Number Placeholder 3"/>
+          <p:cNvSpPr>
+            <a:spLocks noGrp="1"/>
+          </p:cNvSpPr>
+          <p:nvPr>
+            <p:ph type="sldNum" sz="quarter" idx="10"/>
+          </p:nvPr>
+        </p:nvSpPr>
+        <p:spPr/>
+        <p:txBody>
+          <a:bodyPr/>
+          <a:lstStyle/>
+          <a:p>
+            <a:pPr>
+              <a:defRPr/>
+            </a:pPr>
+            <a:fld id="{6821B8DC-5865-4814-89E3-338EF8A79332}" type="slidenum">
+              <a:rPr lang="en-US" smtClean="0"/>
+              <a:pPr>
+                <a:defRPr/>
+              </a:pPr>
+              <a:t>7</a:t>
             </a:fld>
             <a:endParaRPr lang="en-US" dirty="0"/>
           </a:p>
@@ -40078,7 +40260,7 @@
               <a:rPr lang="en-US" altLang="en-US" u="sng" dirty="0">
                 <a:latin typeface="Myriad Pro" panose="020B0503030403020204" pitchFamily="34" charset="0"/>
               </a:rPr>
-              <a:t>References</a:t>
+              <a:t>Parts Required</a:t>
             </a:r>
           </a:p>
         </p:txBody>
@@ -40141,6 +40323,890 @@
                 <a:defRPr/>
               </a:pPr>
               <a:t>5</a:t>
+            </a:fld>
+            <a:endParaRPr lang="en-US" dirty="0">
+              <a:latin typeface="Myriad Pro" panose="020B0503030403020204" pitchFamily="34" charset="0"/>
+            </a:endParaRPr>
+          </a:p>
+        </p:txBody>
+      </p:sp>
+      <p:sp>
+        <p:nvSpPr>
+          <p:cNvPr id="7" name="Content Placeholder 2"/>
+          <p:cNvSpPr txBox="1">
+            <a:spLocks/>
+          </p:cNvSpPr>
+          <p:nvPr/>
+        </p:nvSpPr>
+        <p:spPr bwMode="auto">
+          <a:xfrm>
+            <a:off x="91439" y="1508125"/>
+            <a:ext cx="8138161" cy="4664075"/>
+          </a:xfrm>
+          <a:prstGeom prst="rect">
+            <a:avLst/>
+          </a:prstGeom>
+          <a:noFill/>
+          <a:ln w="9525">
+            <a:noFill/>
+            <a:miter lim="800000"/>
+            <a:headEnd/>
+            <a:tailEnd/>
+          </a:ln>
+        </p:spPr>
+        <p:txBody>
+          <a:bodyPr>
+            <a:normAutofit/>
+          </a:bodyPr>
+          <a:lstStyle/>
+          <a:p>
+            <a:pPr marL="342900" indent="-342900" eaLnBrk="0" hangingPunct="0">
+              <a:spcBef>
+                <a:spcPct val="20000"/>
+              </a:spcBef>
+              <a:buFont typeface="Arial" charset="0"/>
+              <a:buChar char="•"/>
+              <a:defRPr/>
+            </a:pPr>
+            <a:r>
+              <a:rPr lang="en-US" sz="2800" kern="0" dirty="0">
+                <a:solidFill>
+                  <a:srgbClr val="4F4F4F"/>
+                </a:solidFill>
+                <a:latin typeface="Myriad Pro" panose="020B0503030403020204" pitchFamily="34" charset="0"/>
+                <a:cs typeface="+mn-cs"/>
+              </a:rPr>
+              <a:t>Android Phone</a:t>
+            </a:r>
+          </a:p>
+          <a:p>
+            <a:pPr marL="342900" indent="-342900" eaLnBrk="0" hangingPunct="0">
+              <a:spcBef>
+                <a:spcPct val="20000"/>
+              </a:spcBef>
+              <a:buFont typeface="Arial" charset="0"/>
+              <a:buChar char="•"/>
+              <a:defRPr/>
+            </a:pPr>
+            <a:r>
+              <a:rPr lang="en-US" sz="2800" kern="0" dirty="0">
+                <a:solidFill>
+                  <a:srgbClr val="4F4F4F"/>
+                </a:solidFill>
+                <a:latin typeface="Myriad Pro" panose="020B0503030403020204" pitchFamily="34" charset="0"/>
+                <a:cs typeface="+mn-cs"/>
+              </a:rPr>
+              <a:t>Teensy LC and </a:t>
+            </a:r>
+            <a:r>
+              <a:rPr lang="en-US" sz="2800" kern="0" dirty="0" err="1">
+                <a:solidFill>
+                  <a:srgbClr val="4F4F4F"/>
+                </a:solidFill>
+                <a:latin typeface="Myriad Pro" panose="020B0503030403020204" pitchFamily="34" charset="0"/>
+                <a:cs typeface="+mn-cs"/>
+              </a:rPr>
+              <a:t>Xbee</a:t>
+            </a:r>
+            <a:r>
+              <a:rPr lang="en-US" sz="2800" kern="0" dirty="0">
+                <a:solidFill>
+                  <a:srgbClr val="4F4F4F"/>
+                </a:solidFill>
+                <a:latin typeface="Myriad Pro" panose="020B0503030403020204" pitchFamily="34" charset="0"/>
+                <a:cs typeface="+mn-cs"/>
+              </a:rPr>
+              <a:t> Pro – RX</a:t>
+            </a:r>
+          </a:p>
+          <a:p>
+            <a:pPr marL="342900" indent="-342900" eaLnBrk="0" hangingPunct="0">
+              <a:spcBef>
+                <a:spcPct val="20000"/>
+              </a:spcBef>
+              <a:buFont typeface="Arial" charset="0"/>
+              <a:buChar char="•"/>
+              <a:defRPr/>
+            </a:pPr>
+            <a:r>
+              <a:rPr lang="en-US" sz="2800" kern="0" dirty="0">
+                <a:solidFill>
+                  <a:srgbClr val="4F4F4F"/>
+                </a:solidFill>
+                <a:latin typeface="Myriad Pro" panose="020B0503030403020204" pitchFamily="34" charset="0"/>
+              </a:rPr>
+              <a:t>Teensy LC and </a:t>
+            </a:r>
+            <a:r>
+              <a:rPr lang="en-US" sz="2800" kern="0" dirty="0" err="1">
+                <a:solidFill>
+                  <a:srgbClr val="4F4F4F"/>
+                </a:solidFill>
+                <a:latin typeface="Myriad Pro" panose="020B0503030403020204" pitchFamily="34" charset="0"/>
+              </a:rPr>
+              <a:t>Xbee</a:t>
+            </a:r>
+            <a:r>
+              <a:rPr lang="en-US" sz="2800" kern="0" dirty="0">
+                <a:solidFill>
+                  <a:srgbClr val="4F4F4F"/>
+                </a:solidFill>
+                <a:latin typeface="Myriad Pro" panose="020B0503030403020204" pitchFamily="34" charset="0"/>
+              </a:rPr>
+              <a:t> Pro – TX</a:t>
+            </a:r>
+          </a:p>
+          <a:p>
+            <a:pPr marL="342900" indent="-342900" eaLnBrk="0" hangingPunct="0">
+              <a:spcBef>
+                <a:spcPct val="20000"/>
+              </a:spcBef>
+              <a:buFont typeface="Arial" charset="0"/>
+              <a:buChar char="•"/>
+              <a:defRPr/>
+            </a:pPr>
+            <a:r>
+              <a:rPr lang="en-US" sz="2800" kern="0" dirty="0">
+                <a:solidFill>
+                  <a:srgbClr val="4F4F4F"/>
+                </a:solidFill>
+                <a:latin typeface="Myriad Pro" panose="020B0503030403020204" pitchFamily="34" charset="0"/>
+                <a:cs typeface="+mn-cs"/>
+              </a:rPr>
+              <a:t>MySQL Server</a:t>
+            </a:r>
+          </a:p>
+          <a:p>
+            <a:pPr marL="342900" indent="-342900" eaLnBrk="0" hangingPunct="0">
+              <a:spcBef>
+                <a:spcPct val="20000"/>
+              </a:spcBef>
+              <a:buFont typeface="Arial" charset="0"/>
+              <a:buChar char="•"/>
+              <a:defRPr/>
+            </a:pPr>
+            <a:endParaRPr lang="en-US" sz="2800" kern="0" dirty="0">
+              <a:solidFill>
+                <a:srgbClr val="4F4F4F"/>
+              </a:solidFill>
+              <a:latin typeface="Myriad Pro" panose="020B0503030403020204" pitchFamily="34" charset="0"/>
+              <a:cs typeface="+mn-cs"/>
+            </a:endParaRPr>
+          </a:p>
+          <a:p>
+            <a:pPr marL="342900" indent="-342900" eaLnBrk="0" hangingPunct="0">
+              <a:spcBef>
+                <a:spcPct val="20000"/>
+              </a:spcBef>
+              <a:buFont typeface="Arial" charset="0"/>
+              <a:buChar char="•"/>
+              <a:defRPr/>
+            </a:pPr>
+            <a:endParaRPr lang="en-US" sz="2800" kern="0" dirty="0">
+              <a:solidFill>
+                <a:srgbClr val="4F4F4F"/>
+              </a:solidFill>
+              <a:latin typeface="Myriad Pro" panose="020B0503030403020204" pitchFamily="34" charset="0"/>
+              <a:cs typeface="+mn-cs"/>
+            </a:endParaRPr>
+          </a:p>
+          <a:p>
+            <a:pPr marL="342900" indent="-342900" eaLnBrk="0" hangingPunct="0">
+              <a:spcBef>
+                <a:spcPct val="20000"/>
+              </a:spcBef>
+              <a:buFont typeface="Arial" charset="0"/>
+              <a:buChar char="•"/>
+              <a:defRPr/>
+            </a:pPr>
+            <a:endParaRPr lang="en-US" sz="2800" kern="0" dirty="0">
+              <a:solidFill>
+                <a:srgbClr val="4F4F4F"/>
+              </a:solidFill>
+              <a:latin typeface="Myriad Pro" panose="020B0503030403020204" pitchFamily="34" charset="0"/>
+              <a:cs typeface="+mn-cs"/>
+            </a:endParaRPr>
+          </a:p>
+          <a:p>
+            <a:pPr marL="342900" indent="-342900" eaLnBrk="0" hangingPunct="0">
+              <a:spcBef>
+                <a:spcPct val="20000"/>
+              </a:spcBef>
+              <a:buFont typeface="Arial" charset="0"/>
+              <a:buChar char="•"/>
+              <a:defRPr/>
+            </a:pPr>
+            <a:endParaRPr lang="en-US" sz="2800" kern="0" dirty="0">
+              <a:solidFill>
+                <a:srgbClr val="4F4F4F"/>
+              </a:solidFill>
+              <a:latin typeface="Myriad Pro" panose="020B0503030403020204" pitchFamily="34" charset="0"/>
+              <a:cs typeface="+mn-cs"/>
+            </a:endParaRPr>
+          </a:p>
+          <a:p>
+            <a:pPr marL="342900" indent="-342900" eaLnBrk="0" hangingPunct="0">
+              <a:spcBef>
+                <a:spcPct val="20000"/>
+              </a:spcBef>
+              <a:buFont typeface="Arial" charset="0"/>
+              <a:buChar char="•"/>
+              <a:defRPr/>
+            </a:pPr>
+            <a:endParaRPr lang="en-US" sz="2800" kern="0" dirty="0">
+              <a:solidFill>
+                <a:srgbClr val="4F4F4F"/>
+              </a:solidFill>
+              <a:latin typeface="Myriad Pro" panose="020B0503030403020204" pitchFamily="34" charset="0"/>
+              <a:cs typeface="+mn-cs"/>
+            </a:endParaRPr>
+          </a:p>
+          <a:p>
+            <a:pPr marL="342900" indent="-342900" eaLnBrk="0" hangingPunct="0">
+              <a:spcBef>
+                <a:spcPct val="20000"/>
+              </a:spcBef>
+              <a:buFont typeface="Arial" charset="0"/>
+              <a:buChar char="•"/>
+              <a:defRPr/>
+            </a:pPr>
+            <a:endParaRPr lang="en-US" sz="2800" kern="0" dirty="0">
+              <a:solidFill>
+                <a:srgbClr val="4F4F4F"/>
+              </a:solidFill>
+              <a:latin typeface="Myriad Pro" panose="020B0503030403020204" pitchFamily="34" charset="0"/>
+              <a:cs typeface="+mn-cs"/>
+            </a:endParaRPr>
+          </a:p>
+          <a:p>
+            <a:pPr marL="342900" indent="-342900" eaLnBrk="0" hangingPunct="0">
+              <a:spcBef>
+                <a:spcPct val="20000"/>
+              </a:spcBef>
+              <a:buFont typeface="Arial" charset="0"/>
+              <a:buChar char="•"/>
+              <a:defRPr/>
+            </a:pPr>
+            <a:endParaRPr lang="en-US" sz="2800" kern="0" dirty="0">
+              <a:solidFill>
+                <a:srgbClr val="4F4F4F"/>
+              </a:solidFill>
+              <a:latin typeface="Myriad Pro" panose="020B0503030403020204" pitchFamily="34" charset="0"/>
+              <a:cs typeface="+mn-cs"/>
+            </a:endParaRPr>
+          </a:p>
+          <a:p>
+            <a:pPr marL="342900" indent="-342900" eaLnBrk="0" hangingPunct="0">
+              <a:spcBef>
+                <a:spcPct val="20000"/>
+              </a:spcBef>
+              <a:buFont typeface="Arial" charset="0"/>
+              <a:buChar char="•"/>
+              <a:defRPr/>
+            </a:pPr>
+            <a:endParaRPr lang="en-US" sz="2800" kern="0" dirty="0">
+              <a:solidFill>
+                <a:srgbClr val="4F4F4F"/>
+              </a:solidFill>
+              <a:latin typeface="Myriad Pro" panose="020B0503030403020204" pitchFamily="34" charset="0"/>
+              <a:cs typeface="Arial"/>
+            </a:endParaRPr>
+          </a:p>
+          <a:p>
+            <a:pPr marL="800100" lvl="1" indent="-342900" eaLnBrk="0" hangingPunct="0">
+              <a:spcBef>
+                <a:spcPct val="20000"/>
+              </a:spcBef>
+              <a:buFont typeface="Arial" charset="0"/>
+              <a:buChar char="•"/>
+              <a:defRPr/>
+            </a:pPr>
+            <a:endParaRPr lang="en-US" sz="2800" kern="0" dirty="0">
+              <a:solidFill>
+                <a:srgbClr val="4F4F4F"/>
+              </a:solidFill>
+              <a:latin typeface="Myriad Pro" panose="020B0503030403020204" pitchFamily="34" charset="0"/>
+              <a:cs typeface="Arial"/>
+            </a:endParaRPr>
+          </a:p>
+          <a:p>
+            <a:pPr marL="800100" lvl="1" indent="-342900" eaLnBrk="0" hangingPunct="0">
+              <a:spcBef>
+                <a:spcPct val="20000"/>
+              </a:spcBef>
+              <a:buFont typeface="Arial" charset="0"/>
+              <a:buChar char="•"/>
+              <a:defRPr/>
+            </a:pPr>
+            <a:endParaRPr lang="en-US" sz="2800" kern="0" dirty="0">
+              <a:solidFill>
+                <a:srgbClr val="4F4F4F"/>
+              </a:solidFill>
+              <a:latin typeface="Myriad Pro" panose="020B0503030403020204" pitchFamily="34" charset="0"/>
+              <a:cs typeface="Arial"/>
+            </a:endParaRPr>
+          </a:p>
+          <a:p>
+            <a:pPr marL="800100" lvl="1" indent="-342900" eaLnBrk="0" hangingPunct="0">
+              <a:spcBef>
+                <a:spcPct val="20000"/>
+              </a:spcBef>
+              <a:buFont typeface="Arial" charset="0"/>
+              <a:buChar char="•"/>
+              <a:defRPr/>
+            </a:pPr>
+            <a:endParaRPr lang="en-US" sz="2800" kern="0" dirty="0">
+              <a:solidFill>
+                <a:srgbClr val="4F4F4F"/>
+              </a:solidFill>
+              <a:latin typeface="Myriad Pro" panose="020B0503030403020204" pitchFamily="34" charset="0"/>
+              <a:cs typeface="Arial"/>
+            </a:endParaRPr>
+          </a:p>
+          <a:p>
+            <a:pPr marL="742950" lvl="1" indent="-285750" eaLnBrk="0" hangingPunct="0">
+              <a:spcBef>
+                <a:spcPct val="20000"/>
+              </a:spcBef>
+              <a:buFont typeface="Arial" charset="0"/>
+              <a:buChar char="–"/>
+              <a:defRPr/>
+            </a:pPr>
+            <a:endParaRPr lang="en-US" sz="2000" kern="0" dirty="0">
+              <a:solidFill>
+                <a:srgbClr val="4F4F4F"/>
+              </a:solidFill>
+              <a:latin typeface="Myriad Pro" panose="020B0503030403020204" pitchFamily="34" charset="0"/>
+              <a:cs typeface="+mn-cs"/>
+            </a:endParaRPr>
+          </a:p>
+        </p:txBody>
+      </p:sp>
+      <p:pic>
+        <p:nvPicPr>
+          <p:cNvPr id="2" name="Picture 1"/>
+          <p:cNvPicPr>
+            <a:picLocks noChangeAspect="1"/>
+          </p:cNvPicPr>
+          <p:nvPr/>
+        </p:nvPicPr>
+        <p:blipFill>
+          <a:blip r:embed="rId3" cstate="print">
+            <a:extLst>
+              <a:ext uri="{28A0092B-C50C-407E-A947-70E740481C1C}">
+                <a14:useLocalDpi xmlns:a14="http://schemas.microsoft.com/office/drawing/2010/main" val="0"/>
+              </a:ext>
+            </a:extLst>
+          </a:blip>
+          <a:stretch>
+            <a:fillRect/>
+          </a:stretch>
+        </p:blipFill>
+        <p:spPr>
+          <a:xfrm>
+            <a:off x="228600" y="6262222"/>
+            <a:ext cx="504657" cy="413681"/>
+          </a:xfrm>
+          <a:prstGeom prst="rect">
+            <a:avLst/>
+          </a:prstGeom>
+        </p:spPr>
+      </p:pic>
+    </p:spTree>
+    <p:extLst>
+      <p:ext uri="{BB962C8B-B14F-4D97-AF65-F5344CB8AC3E}">
+        <p14:creationId xmlns:p14="http://schemas.microsoft.com/office/powerpoint/2010/main" val="1409387654"/>
+      </p:ext>
+    </p:extLst>
+  </p:cSld>
+  <p:clrMapOvr>
+    <a:masterClrMapping/>
+  </p:clrMapOvr>
+</p:sld>
+</file>
+
+<file path=ppt/slides/slide7.xml><?xml version="1.0" encoding="utf-8"?>
+<p:sld xmlns:a="http://schemas.openxmlformats.org/drawingml/2006/main" xmlns:r="http://schemas.openxmlformats.org/officeDocument/2006/relationships" xmlns:p="http://schemas.openxmlformats.org/presentationml/2006/main">
+  <p:cSld>
+    <p:spTree>
+      <p:nvGrpSpPr>
+        <p:cNvPr id="1" name=""/>
+        <p:cNvGrpSpPr/>
+        <p:nvPr/>
+      </p:nvGrpSpPr>
+      <p:grpSpPr>
+        <a:xfrm>
+          <a:off x="0" y="0"/>
+          <a:ext cx="0" cy="0"/>
+          <a:chOff x="0" y="0"/>
+          <a:chExt cx="0" cy="0"/>
+        </a:xfrm>
+      </p:grpSpPr>
+      <p:sp>
+        <p:nvSpPr>
+          <p:cNvPr id="4100" name="Rectangle 2"/>
+          <p:cNvSpPr>
+            <a:spLocks noGrp="1"/>
+          </p:cNvSpPr>
+          <p:nvPr>
+            <p:ph type="title"/>
+          </p:nvPr>
+        </p:nvSpPr>
+        <p:spPr>
+          <a:xfrm>
+            <a:off x="228600" y="0"/>
+            <a:ext cx="8212455" cy="1325563"/>
+          </a:xfrm>
+        </p:spPr>
+        <p:txBody>
+          <a:bodyPr/>
+          <a:lstStyle/>
+          <a:p>
+            <a:r>
+              <a:rPr lang="en-US" altLang="en-US" u="sng" dirty="0">
+                <a:latin typeface="Myriad Pro" panose="020B0503030403020204" pitchFamily="34" charset="0"/>
+              </a:rPr>
+              <a:t>Deliverables</a:t>
+            </a:r>
+          </a:p>
+        </p:txBody>
+      </p:sp>
+      <p:sp>
+        <p:nvSpPr>
+          <p:cNvPr id="4" name="Footer Placeholder 3"/>
+          <p:cNvSpPr>
+            <a:spLocks noGrp="1"/>
+          </p:cNvSpPr>
+          <p:nvPr>
+            <p:ph type="ftr" sz="quarter" idx="11"/>
+          </p:nvPr>
+        </p:nvSpPr>
+        <p:spPr>
+          <a:xfrm rot="5400000">
+            <a:off x="7199233" y="1676020"/>
+            <a:ext cx="3581400" cy="273844"/>
+          </a:xfrm>
+        </p:spPr>
+        <p:txBody>
+          <a:bodyPr/>
+          <a:lstStyle/>
+          <a:p>
+            <a:pPr>
+              <a:defRPr/>
+            </a:pPr>
+            <a:r>
+              <a:rPr lang="en-US" dirty="0">
+                <a:latin typeface="Myriad Pro" panose="020B0503030403020204" pitchFamily="34" charset="0"/>
+              </a:rPr>
+              <a:t>RF Signal Strength Data Collection Tool</a:t>
+            </a:r>
+          </a:p>
+        </p:txBody>
+      </p:sp>
+      <p:sp>
+        <p:nvSpPr>
+          <p:cNvPr id="5" name="Slide Number Placeholder 4"/>
+          <p:cNvSpPr>
+            <a:spLocks noGrp="1"/>
+          </p:cNvSpPr>
+          <p:nvPr>
+            <p:ph type="sldNum" sz="quarter" idx="12"/>
+          </p:nvPr>
+        </p:nvSpPr>
+        <p:spPr/>
+        <p:txBody>
+          <a:bodyPr/>
+          <a:lstStyle/>
+          <a:p>
+            <a:pPr>
+              <a:defRPr/>
+            </a:pPr>
+            <a:fld id="{96409AB1-C29C-4A42-A887-29E5AEAE8748}" type="slidenum">
+              <a:rPr lang="en-US">
+                <a:latin typeface="Myriad Pro" panose="020B0503030403020204" pitchFamily="34" charset="0"/>
+              </a:rPr>
+              <a:pPr>
+                <a:defRPr/>
+              </a:pPr>
+              <a:t>6</a:t>
+            </a:fld>
+            <a:endParaRPr lang="en-US" dirty="0">
+              <a:latin typeface="Myriad Pro" panose="020B0503030403020204" pitchFamily="34" charset="0"/>
+            </a:endParaRPr>
+          </a:p>
+        </p:txBody>
+      </p:sp>
+      <p:sp>
+        <p:nvSpPr>
+          <p:cNvPr id="7" name="Content Placeholder 2"/>
+          <p:cNvSpPr txBox="1">
+            <a:spLocks/>
+          </p:cNvSpPr>
+          <p:nvPr/>
+        </p:nvSpPr>
+        <p:spPr bwMode="auto">
+          <a:xfrm>
+            <a:off x="91439" y="1508125"/>
+            <a:ext cx="8138161" cy="4664075"/>
+          </a:xfrm>
+          <a:prstGeom prst="rect">
+            <a:avLst/>
+          </a:prstGeom>
+          <a:noFill/>
+          <a:ln w="9525">
+            <a:noFill/>
+            <a:miter lim="800000"/>
+            <a:headEnd/>
+            <a:tailEnd/>
+          </a:ln>
+        </p:spPr>
+        <p:txBody>
+          <a:bodyPr>
+            <a:normAutofit/>
+          </a:bodyPr>
+          <a:lstStyle/>
+          <a:p>
+            <a:pPr marL="342900" indent="-342900" eaLnBrk="0" hangingPunct="0">
+              <a:spcBef>
+                <a:spcPct val="20000"/>
+              </a:spcBef>
+              <a:buFont typeface="Arial" charset="0"/>
+              <a:buChar char="•"/>
+              <a:defRPr/>
+            </a:pPr>
+            <a:r>
+              <a:rPr lang="en-US" sz="2800" kern="0" dirty="0">
+                <a:solidFill>
+                  <a:srgbClr val="4F4F4F"/>
+                </a:solidFill>
+                <a:latin typeface="Myriad Pro" panose="020B0503030403020204" pitchFamily="34" charset="0"/>
+                <a:cs typeface="+mn-cs"/>
+              </a:rPr>
+              <a:t>Application for Android Phone utilizing Teensy LC and </a:t>
+            </a:r>
+            <a:r>
+              <a:rPr lang="en-US" sz="2800" kern="0" dirty="0" err="1">
+                <a:solidFill>
+                  <a:srgbClr val="4F4F4F"/>
+                </a:solidFill>
+                <a:latin typeface="Myriad Pro" panose="020B0503030403020204" pitchFamily="34" charset="0"/>
+                <a:cs typeface="+mn-cs"/>
+              </a:rPr>
+              <a:t>Xbee</a:t>
+            </a:r>
+            <a:r>
+              <a:rPr lang="en-US" sz="2800" kern="0" dirty="0">
+                <a:solidFill>
+                  <a:srgbClr val="4F4F4F"/>
+                </a:solidFill>
+                <a:latin typeface="Myriad Pro" panose="020B0503030403020204" pitchFamily="34" charset="0"/>
+                <a:cs typeface="+mn-cs"/>
+              </a:rPr>
+              <a:t> Pro for captured device</a:t>
+            </a:r>
+          </a:p>
+          <a:p>
+            <a:pPr marL="342900" indent="-342900" eaLnBrk="0" hangingPunct="0">
+              <a:spcBef>
+                <a:spcPct val="20000"/>
+              </a:spcBef>
+              <a:buFont typeface="Arial" charset="0"/>
+              <a:buChar char="•"/>
+              <a:defRPr/>
+            </a:pPr>
+            <a:endParaRPr lang="en-US" sz="2800" kern="0" dirty="0">
+              <a:solidFill>
+                <a:srgbClr val="4F4F4F"/>
+              </a:solidFill>
+              <a:latin typeface="Myriad Pro" panose="020B0503030403020204" pitchFamily="34" charset="0"/>
+              <a:cs typeface="+mn-cs"/>
+            </a:endParaRPr>
+          </a:p>
+          <a:p>
+            <a:pPr marL="342900" indent="-342900" eaLnBrk="0" hangingPunct="0">
+              <a:spcBef>
+                <a:spcPct val="20000"/>
+              </a:spcBef>
+              <a:buFont typeface="Arial" charset="0"/>
+              <a:buChar char="•"/>
+              <a:defRPr/>
+            </a:pPr>
+            <a:endParaRPr lang="en-US" sz="2800" kern="0" dirty="0">
+              <a:solidFill>
+                <a:srgbClr val="4F4F4F"/>
+              </a:solidFill>
+              <a:latin typeface="Myriad Pro" panose="020B0503030403020204" pitchFamily="34" charset="0"/>
+              <a:cs typeface="+mn-cs"/>
+            </a:endParaRPr>
+          </a:p>
+          <a:p>
+            <a:pPr marL="342900" indent="-342900" eaLnBrk="0" hangingPunct="0">
+              <a:spcBef>
+                <a:spcPct val="20000"/>
+              </a:spcBef>
+              <a:buFont typeface="Arial" charset="0"/>
+              <a:buChar char="•"/>
+              <a:defRPr/>
+            </a:pPr>
+            <a:endParaRPr lang="en-US" sz="2800" kern="0" dirty="0">
+              <a:solidFill>
+                <a:srgbClr val="4F4F4F"/>
+              </a:solidFill>
+              <a:latin typeface="Myriad Pro" panose="020B0503030403020204" pitchFamily="34" charset="0"/>
+              <a:cs typeface="+mn-cs"/>
+            </a:endParaRPr>
+          </a:p>
+          <a:p>
+            <a:pPr marL="342900" indent="-342900" eaLnBrk="0" hangingPunct="0">
+              <a:spcBef>
+                <a:spcPct val="20000"/>
+              </a:spcBef>
+              <a:buFont typeface="Arial" charset="0"/>
+              <a:buChar char="•"/>
+              <a:defRPr/>
+            </a:pPr>
+            <a:endParaRPr lang="en-US" sz="2800" kern="0" dirty="0">
+              <a:solidFill>
+                <a:srgbClr val="4F4F4F"/>
+              </a:solidFill>
+              <a:latin typeface="Myriad Pro" panose="020B0503030403020204" pitchFamily="34" charset="0"/>
+              <a:cs typeface="+mn-cs"/>
+            </a:endParaRPr>
+          </a:p>
+          <a:p>
+            <a:pPr marL="342900" indent="-342900" eaLnBrk="0" hangingPunct="0">
+              <a:spcBef>
+                <a:spcPct val="20000"/>
+              </a:spcBef>
+              <a:buFont typeface="Arial" charset="0"/>
+              <a:buChar char="•"/>
+              <a:defRPr/>
+            </a:pPr>
+            <a:endParaRPr lang="en-US" sz="2800" kern="0" dirty="0">
+              <a:solidFill>
+                <a:srgbClr val="4F4F4F"/>
+              </a:solidFill>
+              <a:latin typeface="Myriad Pro" panose="020B0503030403020204" pitchFamily="34" charset="0"/>
+              <a:cs typeface="Arial"/>
+            </a:endParaRPr>
+          </a:p>
+          <a:p>
+            <a:pPr marL="800100" lvl="1" indent="-342900" eaLnBrk="0" hangingPunct="0">
+              <a:spcBef>
+                <a:spcPct val="20000"/>
+              </a:spcBef>
+              <a:buFont typeface="Arial" charset="0"/>
+              <a:buChar char="•"/>
+              <a:defRPr/>
+            </a:pPr>
+            <a:endParaRPr lang="en-US" sz="2800" kern="0" dirty="0">
+              <a:solidFill>
+                <a:srgbClr val="4F4F4F"/>
+              </a:solidFill>
+              <a:latin typeface="Myriad Pro" panose="020B0503030403020204" pitchFamily="34" charset="0"/>
+              <a:cs typeface="Arial"/>
+            </a:endParaRPr>
+          </a:p>
+          <a:p>
+            <a:pPr marL="800100" lvl="1" indent="-342900" eaLnBrk="0" hangingPunct="0">
+              <a:spcBef>
+                <a:spcPct val="20000"/>
+              </a:spcBef>
+              <a:buFont typeface="Arial" charset="0"/>
+              <a:buChar char="•"/>
+              <a:defRPr/>
+            </a:pPr>
+            <a:endParaRPr lang="en-US" sz="2800" kern="0" dirty="0">
+              <a:solidFill>
+                <a:srgbClr val="4F4F4F"/>
+              </a:solidFill>
+              <a:latin typeface="Myriad Pro" panose="020B0503030403020204" pitchFamily="34" charset="0"/>
+              <a:cs typeface="Arial"/>
+            </a:endParaRPr>
+          </a:p>
+          <a:p>
+            <a:pPr marL="800100" lvl="1" indent="-342900" eaLnBrk="0" hangingPunct="0">
+              <a:spcBef>
+                <a:spcPct val="20000"/>
+              </a:spcBef>
+              <a:buFont typeface="Arial" charset="0"/>
+              <a:buChar char="•"/>
+              <a:defRPr/>
+            </a:pPr>
+            <a:endParaRPr lang="en-US" sz="2800" kern="0" dirty="0">
+              <a:solidFill>
+                <a:srgbClr val="4F4F4F"/>
+              </a:solidFill>
+              <a:latin typeface="Myriad Pro" panose="020B0503030403020204" pitchFamily="34" charset="0"/>
+              <a:cs typeface="Arial"/>
+            </a:endParaRPr>
+          </a:p>
+          <a:p>
+            <a:pPr marL="742950" lvl="1" indent="-285750" eaLnBrk="0" hangingPunct="0">
+              <a:spcBef>
+                <a:spcPct val="20000"/>
+              </a:spcBef>
+              <a:buFont typeface="Arial" charset="0"/>
+              <a:buChar char="–"/>
+              <a:defRPr/>
+            </a:pPr>
+            <a:endParaRPr lang="en-US" sz="2000" kern="0" dirty="0">
+              <a:solidFill>
+                <a:srgbClr val="4F4F4F"/>
+              </a:solidFill>
+              <a:latin typeface="Myriad Pro" panose="020B0503030403020204" pitchFamily="34" charset="0"/>
+              <a:cs typeface="+mn-cs"/>
+            </a:endParaRPr>
+          </a:p>
+        </p:txBody>
+      </p:sp>
+      <p:pic>
+        <p:nvPicPr>
+          <p:cNvPr id="2" name="Picture 1"/>
+          <p:cNvPicPr>
+            <a:picLocks noChangeAspect="1"/>
+          </p:cNvPicPr>
+          <p:nvPr/>
+        </p:nvPicPr>
+        <p:blipFill>
+          <a:blip r:embed="rId3" cstate="print">
+            <a:extLst>
+              <a:ext uri="{28A0092B-C50C-407E-A947-70E740481C1C}">
+                <a14:useLocalDpi xmlns:a14="http://schemas.microsoft.com/office/drawing/2010/main" val="0"/>
+              </a:ext>
+            </a:extLst>
+          </a:blip>
+          <a:stretch>
+            <a:fillRect/>
+          </a:stretch>
+        </p:blipFill>
+        <p:spPr>
+          <a:xfrm>
+            <a:off x="228600" y="6262222"/>
+            <a:ext cx="504657" cy="413681"/>
+          </a:xfrm>
+          <a:prstGeom prst="rect">
+            <a:avLst/>
+          </a:prstGeom>
+        </p:spPr>
+      </p:pic>
+    </p:spTree>
+    <p:extLst>
+      <p:ext uri="{BB962C8B-B14F-4D97-AF65-F5344CB8AC3E}">
+        <p14:creationId xmlns:p14="http://schemas.microsoft.com/office/powerpoint/2010/main" val="1723139859"/>
+      </p:ext>
+    </p:extLst>
+  </p:cSld>
+  <p:clrMapOvr>
+    <a:masterClrMapping/>
+  </p:clrMapOvr>
+</p:sld>
+</file>
+
+<file path=ppt/slides/slide8.xml><?xml version="1.0" encoding="utf-8"?>
+<p:sld xmlns:a="http://schemas.openxmlformats.org/drawingml/2006/main" xmlns:r="http://schemas.openxmlformats.org/officeDocument/2006/relationships" xmlns:p="http://schemas.openxmlformats.org/presentationml/2006/main">
+  <p:cSld>
+    <p:spTree>
+      <p:nvGrpSpPr>
+        <p:cNvPr id="1" name=""/>
+        <p:cNvGrpSpPr/>
+        <p:nvPr/>
+      </p:nvGrpSpPr>
+      <p:grpSpPr>
+        <a:xfrm>
+          <a:off x="0" y="0"/>
+          <a:ext cx="0" cy="0"/>
+          <a:chOff x="0" y="0"/>
+          <a:chExt cx="0" cy="0"/>
+        </a:xfrm>
+      </p:grpSpPr>
+      <p:sp>
+        <p:nvSpPr>
+          <p:cNvPr id="4100" name="Rectangle 2"/>
+          <p:cNvSpPr>
+            <a:spLocks noGrp="1"/>
+          </p:cNvSpPr>
+          <p:nvPr>
+            <p:ph type="title"/>
+          </p:nvPr>
+        </p:nvSpPr>
+        <p:spPr>
+          <a:xfrm>
+            <a:off x="228600" y="0"/>
+            <a:ext cx="8212455" cy="1325563"/>
+          </a:xfrm>
+        </p:spPr>
+        <p:txBody>
+          <a:bodyPr/>
+          <a:lstStyle/>
+          <a:p>
+            <a:r>
+              <a:rPr lang="en-US" altLang="en-US" u="sng" dirty="0">
+                <a:latin typeface="Myriad Pro" panose="020B0503030403020204" pitchFamily="34" charset="0"/>
+              </a:rPr>
+              <a:t>References</a:t>
+            </a:r>
+          </a:p>
+        </p:txBody>
+      </p:sp>
+      <p:sp>
+        <p:nvSpPr>
+          <p:cNvPr id="4" name="Footer Placeholder 3"/>
+          <p:cNvSpPr>
+            <a:spLocks noGrp="1"/>
+          </p:cNvSpPr>
+          <p:nvPr>
+            <p:ph type="ftr" sz="quarter" idx="11"/>
+          </p:nvPr>
+        </p:nvSpPr>
+        <p:spPr>
+          <a:xfrm rot="5400000">
+            <a:off x="7199233" y="1676020"/>
+            <a:ext cx="3581400" cy="273844"/>
+          </a:xfrm>
+        </p:spPr>
+        <p:txBody>
+          <a:bodyPr/>
+          <a:lstStyle/>
+          <a:p>
+            <a:pPr>
+              <a:defRPr/>
+            </a:pPr>
+            <a:r>
+              <a:rPr lang="en-US" dirty="0">
+                <a:latin typeface="Myriad Pro" panose="020B0503030403020204" pitchFamily="34" charset="0"/>
+              </a:rPr>
+              <a:t>RF Signal Strength Data Collection Tool</a:t>
+            </a:r>
+          </a:p>
+        </p:txBody>
+      </p:sp>
+      <p:sp>
+        <p:nvSpPr>
+          <p:cNvPr id="5" name="Slide Number Placeholder 4"/>
+          <p:cNvSpPr>
+            <a:spLocks noGrp="1"/>
+          </p:cNvSpPr>
+          <p:nvPr>
+            <p:ph type="sldNum" sz="quarter" idx="12"/>
+          </p:nvPr>
+        </p:nvSpPr>
+        <p:spPr/>
+        <p:txBody>
+          <a:bodyPr/>
+          <a:lstStyle/>
+          <a:p>
+            <a:pPr>
+              <a:defRPr/>
+            </a:pPr>
+            <a:fld id="{96409AB1-C29C-4A42-A887-29E5AEAE8748}" type="slidenum">
+              <a:rPr lang="en-US">
+                <a:latin typeface="Myriad Pro" panose="020B0503030403020204" pitchFamily="34" charset="0"/>
+              </a:rPr>
+              <a:pPr>
+                <a:defRPr/>
+              </a:pPr>
+              <a:t>7</a:t>
             </a:fld>
             <a:endParaRPr lang="en-US" dirty="0">
               <a:latin typeface="Myriad Pro" panose="020B0503030403020204" pitchFamily="34" charset="0"/>

--- a/Students/johnlusher/Project_3/ECEN689_Project_3_John_Lusher.pptx
+++ b/Students/johnlusher/Project_3/ECEN689_Project_3_John_Lusher.pptx
@@ -8,7 +8,7 @@
     <p:sldMasterId id="2147484311" r:id="rId4"/>
   </p:sldMasterIdLst>
   <p:notesMasterIdLst>
-    <p:notesMasterId r:id="rId18"/>
+    <p:notesMasterId r:id="rId19"/>
   </p:notesMasterIdLst>
   <p:sldIdLst>
     <p:sldId id="258" r:id="rId5"/>
@@ -24,11 +24,12 @@
     <p:sldId id="448" r:id="rId15"/>
     <p:sldId id="450" r:id="rId16"/>
     <p:sldId id="446" r:id="rId17"/>
+    <p:sldId id="458" r:id="rId18"/>
   </p:sldIdLst>
   <p:sldSz cx="9144000" cy="6858000" type="screen4x3"/>
   <p:notesSz cx="6858000" cy="9144000"/>
   <p:custDataLst>
-    <p:tags r:id="rId19"/>
+    <p:tags r:id="rId20"/>
   </p:custDataLst>
   <p:defaultTextStyle>
     <a:defPPr>
@@ -1127,6 +1128,96 @@
     <p:extLst>
       <p:ext uri="{BB962C8B-B14F-4D97-AF65-F5344CB8AC3E}">
         <p14:creationId xmlns:p14="http://schemas.microsoft.com/office/powerpoint/2010/main" val="3845740863"/>
+      </p:ext>
+    </p:extLst>
+  </p:cSld>
+  <p:clrMapOvr>
+    <a:masterClrMapping/>
+  </p:clrMapOvr>
+</p:notes>
+</file>
+
+<file path=ppt/notesSlides/notesSlide14.xml><?xml version="1.0" encoding="utf-8"?>
+<p:notes xmlns:a="http://schemas.openxmlformats.org/drawingml/2006/main" xmlns:r="http://schemas.openxmlformats.org/officeDocument/2006/relationships" xmlns:p="http://schemas.openxmlformats.org/presentationml/2006/main">
+  <p:cSld>
+    <p:spTree>
+      <p:nvGrpSpPr>
+        <p:cNvPr id="1" name=""/>
+        <p:cNvGrpSpPr/>
+        <p:nvPr/>
+      </p:nvGrpSpPr>
+      <p:grpSpPr>
+        <a:xfrm>
+          <a:off x="0" y="0"/>
+          <a:ext cx="0" cy="0"/>
+          <a:chOff x="0" y="0"/>
+          <a:chExt cx="0" cy="0"/>
+        </a:xfrm>
+      </p:grpSpPr>
+      <p:sp>
+        <p:nvSpPr>
+          <p:cNvPr id="2" name="Slide Image Placeholder 1"/>
+          <p:cNvSpPr>
+            <a:spLocks noGrp="1" noRot="1" noChangeAspect="1"/>
+          </p:cNvSpPr>
+          <p:nvPr>
+            <p:ph type="sldImg"/>
+          </p:nvPr>
+        </p:nvSpPr>
+        <p:spPr/>
+      </p:sp>
+      <p:sp>
+        <p:nvSpPr>
+          <p:cNvPr id="3" name="Notes Placeholder 2"/>
+          <p:cNvSpPr>
+            <a:spLocks noGrp="1"/>
+          </p:cNvSpPr>
+          <p:nvPr>
+            <p:ph type="body" idx="1"/>
+          </p:nvPr>
+        </p:nvSpPr>
+        <p:spPr/>
+        <p:txBody>
+          <a:bodyPr/>
+          <a:lstStyle/>
+          <a:p>
+            <a:endParaRPr lang="en-US"/>
+          </a:p>
+        </p:txBody>
+      </p:sp>
+      <p:sp>
+        <p:nvSpPr>
+          <p:cNvPr id="4" name="Slide Number Placeholder 3"/>
+          <p:cNvSpPr>
+            <a:spLocks noGrp="1"/>
+          </p:cNvSpPr>
+          <p:nvPr>
+            <p:ph type="sldNum" sz="quarter" idx="10"/>
+          </p:nvPr>
+        </p:nvSpPr>
+        <p:spPr/>
+        <p:txBody>
+          <a:bodyPr/>
+          <a:lstStyle/>
+          <a:p>
+            <a:pPr>
+              <a:defRPr/>
+            </a:pPr>
+            <a:fld id="{6821B8DC-5865-4814-89E3-338EF8A79332}" type="slidenum">
+              <a:rPr lang="en-US" smtClean="0"/>
+              <a:pPr>
+                <a:defRPr/>
+              </a:pPr>
+              <a:t>13</a:t>
+            </a:fld>
+            <a:endParaRPr lang="en-US" dirty="0"/>
+          </a:p>
+        </p:txBody>
+      </p:sp>
+    </p:spTree>
+    <p:extLst>
+      <p:ext uri="{BB962C8B-B14F-4D97-AF65-F5344CB8AC3E}">
+        <p14:creationId xmlns:p14="http://schemas.microsoft.com/office/powerpoint/2010/main" val="348110760"/>
       </p:ext>
     </p:extLst>
   </p:cSld>
@@ -40592,6 +40683,592 @@
 </p:sld>
 </file>
 
+<file path=ppt/slides/slide14.xml><?xml version="1.0" encoding="utf-8"?>
+<p:sld xmlns:a="http://schemas.openxmlformats.org/drawingml/2006/main" xmlns:r="http://schemas.openxmlformats.org/officeDocument/2006/relationships" xmlns:p="http://schemas.openxmlformats.org/presentationml/2006/main">
+  <p:cSld>
+    <p:spTree>
+      <p:nvGrpSpPr>
+        <p:cNvPr id="1" name=""/>
+        <p:cNvGrpSpPr/>
+        <p:nvPr/>
+      </p:nvGrpSpPr>
+      <p:grpSpPr>
+        <a:xfrm>
+          <a:off x="0" y="0"/>
+          <a:ext cx="0" cy="0"/>
+          <a:chOff x="0" y="0"/>
+          <a:chExt cx="0" cy="0"/>
+        </a:xfrm>
+      </p:grpSpPr>
+      <p:sp>
+        <p:nvSpPr>
+          <p:cNvPr id="4100" name="Rectangle 2"/>
+          <p:cNvSpPr>
+            <a:spLocks noGrp="1"/>
+          </p:cNvSpPr>
+          <p:nvPr>
+            <p:ph type="title"/>
+          </p:nvPr>
+        </p:nvSpPr>
+        <p:spPr>
+          <a:xfrm>
+            <a:off x="228600" y="0"/>
+            <a:ext cx="8212455" cy="1325563"/>
+          </a:xfrm>
+        </p:spPr>
+        <p:txBody>
+          <a:bodyPr/>
+          <a:lstStyle/>
+          <a:p>
+            <a:r>
+              <a:rPr lang="en-US" altLang="en-US" u="sng" dirty="0">
+                <a:latin typeface="Myriad Pro" panose="020B0503030403020204" pitchFamily="34" charset="0"/>
+              </a:rPr>
+              <a:t>What is Next?</a:t>
+            </a:r>
+          </a:p>
+        </p:txBody>
+      </p:sp>
+      <p:sp>
+        <p:nvSpPr>
+          <p:cNvPr id="4" name="Footer Placeholder 3"/>
+          <p:cNvSpPr>
+            <a:spLocks noGrp="1"/>
+          </p:cNvSpPr>
+          <p:nvPr>
+            <p:ph type="ftr" sz="quarter" idx="11"/>
+          </p:nvPr>
+        </p:nvSpPr>
+        <p:spPr>
+          <a:xfrm rot="5400000">
+            <a:off x="7199233" y="1676020"/>
+            <a:ext cx="3581400" cy="273844"/>
+          </a:xfrm>
+        </p:spPr>
+        <p:txBody>
+          <a:bodyPr/>
+          <a:lstStyle/>
+          <a:p>
+            <a:pPr>
+              <a:defRPr/>
+            </a:pPr>
+            <a:r>
+              <a:rPr lang="en-US" dirty="0">
+                <a:latin typeface="Myriad Pro" panose="020B0503030403020204" pitchFamily="34" charset="0"/>
+              </a:rPr>
+              <a:t>RF Signal Strength Data Collection Tool</a:t>
+            </a:r>
+          </a:p>
+        </p:txBody>
+      </p:sp>
+      <p:sp>
+        <p:nvSpPr>
+          <p:cNvPr id="5" name="Slide Number Placeholder 4"/>
+          <p:cNvSpPr>
+            <a:spLocks noGrp="1"/>
+          </p:cNvSpPr>
+          <p:nvPr>
+            <p:ph type="sldNum" sz="quarter" idx="12"/>
+          </p:nvPr>
+        </p:nvSpPr>
+        <p:spPr/>
+        <p:txBody>
+          <a:bodyPr/>
+          <a:lstStyle/>
+          <a:p>
+            <a:pPr>
+              <a:defRPr/>
+            </a:pPr>
+            <a:fld id="{96409AB1-C29C-4A42-A887-29E5AEAE8748}" type="slidenum">
+              <a:rPr lang="en-US">
+                <a:latin typeface="Myriad Pro" panose="020B0503030403020204" pitchFamily="34" charset="0"/>
+              </a:rPr>
+              <a:pPr>
+                <a:defRPr/>
+              </a:pPr>
+              <a:t>13</a:t>
+            </a:fld>
+            <a:endParaRPr lang="en-US" dirty="0">
+              <a:latin typeface="Myriad Pro" panose="020B0503030403020204" pitchFamily="34" charset="0"/>
+            </a:endParaRPr>
+          </a:p>
+        </p:txBody>
+      </p:sp>
+      <p:sp>
+        <p:nvSpPr>
+          <p:cNvPr id="7" name="Content Placeholder 2"/>
+          <p:cNvSpPr txBox="1">
+            <a:spLocks/>
+          </p:cNvSpPr>
+          <p:nvPr/>
+        </p:nvSpPr>
+        <p:spPr bwMode="auto">
+          <a:xfrm>
+            <a:off x="366629" y="1691788"/>
+            <a:ext cx="8441055" cy="4984115"/>
+          </a:xfrm>
+          <a:prstGeom prst="rect">
+            <a:avLst/>
+          </a:prstGeom>
+          <a:noFill/>
+          <a:ln w="9525">
+            <a:noFill/>
+            <a:miter lim="800000"/>
+            <a:headEnd/>
+            <a:tailEnd/>
+          </a:ln>
+        </p:spPr>
+        <p:txBody>
+          <a:bodyPr>
+            <a:normAutofit/>
+          </a:bodyPr>
+          <a:lstStyle/>
+          <a:p>
+            <a:pPr lvl="1" eaLnBrk="0" hangingPunct="0">
+              <a:spcBef>
+                <a:spcPct val="20000"/>
+              </a:spcBef>
+              <a:defRPr/>
+            </a:pPr>
+            <a:endParaRPr lang="en-US" sz="2800" kern="0" dirty="0">
+              <a:solidFill>
+                <a:srgbClr val="4F4F4F"/>
+              </a:solidFill>
+              <a:latin typeface="Myriad Pro" panose="020B0503030403020204" pitchFamily="34" charset="0"/>
+              <a:cs typeface="Arial"/>
+            </a:endParaRPr>
+          </a:p>
+          <a:p>
+            <a:pPr marL="742950" lvl="1" indent="-285750" eaLnBrk="0" hangingPunct="0">
+              <a:spcBef>
+                <a:spcPct val="20000"/>
+              </a:spcBef>
+              <a:buFont typeface="Arial" charset="0"/>
+              <a:buChar char="–"/>
+              <a:defRPr/>
+            </a:pPr>
+            <a:endParaRPr lang="en-US" sz="2800" kern="0" dirty="0">
+              <a:solidFill>
+                <a:srgbClr val="4F4F4F"/>
+              </a:solidFill>
+              <a:latin typeface="Myriad Pro" panose="020B0503030403020204" pitchFamily="34" charset="0"/>
+              <a:cs typeface="Arial"/>
+            </a:endParaRPr>
+          </a:p>
+          <a:p>
+            <a:pPr marL="742950" lvl="1" indent="-285750" eaLnBrk="0" hangingPunct="0">
+              <a:spcBef>
+                <a:spcPct val="20000"/>
+              </a:spcBef>
+              <a:buFont typeface="Arial" charset="0"/>
+              <a:buChar char="–"/>
+              <a:defRPr/>
+            </a:pPr>
+            <a:endParaRPr lang="en-US" sz="2800" kern="0" dirty="0">
+              <a:solidFill>
+                <a:srgbClr val="4F4F4F"/>
+              </a:solidFill>
+              <a:latin typeface="Myriad Pro" panose="020B0503030403020204" pitchFamily="34" charset="0"/>
+              <a:cs typeface="Arial"/>
+            </a:endParaRPr>
+          </a:p>
+          <a:p>
+            <a:pPr marL="742950" lvl="1" indent="-285750" eaLnBrk="0" hangingPunct="0">
+              <a:spcBef>
+                <a:spcPct val="20000"/>
+              </a:spcBef>
+              <a:buFont typeface="Arial" charset="0"/>
+              <a:buChar char="–"/>
+              <a:defRPr/>
+            </a:pPr>
+            <a:endParaRPr lang="en-US" sz="2800" kern="0" dirty="0">
+              <a:solidFill>
+                <a:srgbClr val="4F4F4F"/>
+              </a:solidFill>
+              <a:latin typeface="Myriad Pro" panose="020B0503030403020204" pitchFamily="34" charset="0"/>
+              <a:cs typeface="Arial"/>
+            </a:endParaRPr>
+          </a:p>
+          <a:p>
+            <a:pPr marL="742950" lvl="1" indent="-285750" eaLnBrk="0" hangingPunct="0">
+              <a:spcBef>
+                <a:spcPct val="20000"/>
+              </a:spcBef>
+              <a:buFont typeface="Arial" charset="0"/>
+              <a:buChar char="–"/>
+              <a:defRPr/>
+            </a:pPr>
+            <a:endParaRPr lang="en-US" sz="2800" kern="0" dirty="0">
+              <a:solidFill>
+                <a:srgbClr val="4F4F4F"/>
+              </a:solidFill>
+              <a:latin typeface="Myriad Pro" panose="020B0503030403020204" pitchFamily="34" charset="0"/>
+              <a:cs typeface="Arial"/>
+            </a:endParaRPr>
+          </a:p>
+          <a:p>
+            <a:pPr marL="742950" lvl="1" indent="-285750" eaLnBrk="0" hangingPunct="0">
+              <a:spcBef>
+                <a:spcPct val="20000"/>
+              </a:spcBef>
+              <a:buFont typeface="Arial" charset="0"/>
+              <a:buChar char="–"/>
+              <a:defRPr/>
+            </a:pPr>
+            <a:endParaRPr lang="en-US" sz="2800" kern="0" dirty="0">
+              <a:solidFill>
+                <a:srgbClr val="4F4F4F"/>
+              </a:solidFill>
+              <a:latin typeface="Myriad Pro" panose="020B0503030403020204" pitchFamily="34" charset="0"/>
+              <a:cs typeface="Arial"/>
+            </a:endParaRPr>
+          </a:p>
+          <a:p>
+            <a:pPr marL="742950" lvl="1" indent="-285750" eaLnBrk="0" hangingPunct="0">
+              <a:spcBef>
+                <a:spcPct val="20000"/>
+              </a:spcBef>
+              <a:buFont typeface="Arial" charset="0"/>
+              <a:buChar char="–"/>
+              <a:defRPr/>
+            </a:pPr>
+            <a:endParaRPr lang="en-US" sz="2800" kern="0" dirty="0">
+              <a:solidFill>
+                <a:srgbClr val="4F4F4F"/>
+              </a:solidFill>
+              <a:latin typeface="Myriad Pro" panose="020B0503030403020204" pitchFamily="34" charset="0"/>
+              <a:cs typeface="Arial"/>
+            </a:endParaRPr>
+          </a:p>
+          <a:p>
+            <a:pPr marL="742950" lvl="1" indent="-285750" eaLnBrk="0" hangingPunct="0">
+              <a:spcBef>
+                <a:spcPct val="20000"/>
+              </a:spcBef>
+              <a:buFont typeface="Arial" charset="0"/>
+              <a:buChar char="–"/>
+              <a:defRPr/>
+            </a:pPr>
+            <a:endParaRPr lang="en-US" sz="2800" kern="0" dirty="0">
+              <a:solidFill>
+                <a:srgbClr val="4F4F4F"/>
+              </a:solidFill>
+              <a:latin typeface="Myriad Pro" panose="020B0503030403020204" pitchFamily="34" charset="0"/>
+              <a:cs typeface="Arial"/>
+            </a:endParaRPr>
+          </a:p>
+          <a:p>
+            <a:pPr lvl="1" eaLnBrk="0" hangingPunct="0">
+              <a:spcBef>
+                <a:spcPct val="20000"/>
+              </a:spcBef>
+              <a:defRPr/>
+            </a:pPr>
+            <a:r>
+              <a:rPr lang="en-US" kern="0" dirty="0">
+                <a:solidFill>
+                  <a:srgbClr val="4F4F4F"/>
+                </a:solidFill>
+                <a:latin typeface="Myriad Pro" panose="020B0503030403020204" pitchFamily="34" charset="0"/>
+                <a:cs typeface="+mn-cs"/>
+              </a:rPr>
+              <a:t> </a:t>
+            </a:r>
+          </a:p>
+        </p:txBody>
+      </p:sp>
+      <p:sp>
+        <p:nvSpPr>
+          <p:cNvPr id="8" name="Content Placeholder 2"/>
+          <p:cNvSpPr txBox="1">
+            <a:spLocks/>
+          </p:cNvSpPr>
+          <p:nvPr/>
+        </p:nvSpPr>
+        <p:spPr bwMode="auto">
+          <a:xfrm>
+            <a:off x="736193" y="2011680"/>
+            <a:ext cx="6445651" cy="1691640"/>
+          </a:xfrm>
+          <a:prstGeom prst="rect">
+            <a:avLst/>
+          </a:prstGeom>
+          <a:noFill/>
+          <a:ln w="9525">
+            <a:noFill/>
+            <a:miter lim="800000"/>
+            <a:headEnd/>
+            <a:tailEnd/>
+          </a:ln>
+        </p:spPr>
+        <p:txBody>
+          <a:bodyPr>
+            <a:normAutofit/>
+          </a:bodyPr>
+          <a:lstStyle/>
+          <a:p>
+            <a:pPr marL="800100" lvl="1" indent="-342900" eaLnBrk="0" hangingPunct="0">
+              <a:spcBef>
+                <a:spcPct val="20000"/>
+              </a:spcBef>
+              <a:buFont typeface="Arial" charset="0"/>
+              <a:buChar char="•"/>
+              <a:defRPr/>
+            </a:pPr>
+            <a:endParaRPr lang="en-US" sz="3200" b="1" kern="0" dirty="0">
+              <a:solidFill>
+                <a:srgbClr val="00B0F0"/>
+              </a:solidFill>
+              <a:latin typeface="Myriad Pro" panose="020B0503030403020204" pitchFamily="34" charset="0"/>
+            </a:endParaRPr>
+          </a:p>
+          <a:p>
+            <a:pPr lvl="1" algn="ctr" eaLnBrk="0" hangingPunct="0">
+              <a:spcBef>
+                <a:spcPct val="20000"/>
+              </a:spcBef>
+              <a:defRPr/>
+            </a:pPr>
+            <a:r>
+              <a:rPr lang="en-US" sz="3200" b="1" kern="0" dirty="0">
+                <a:solidFill>
+                  <a:srgbClr val="00B0F0"/>
+                </a:solidFill>
+                <a:latin typeface="Myriad Pro" panose="020B0503030403020204" pitchFamily="34" charset="0"/>
+                <a:cs typeface="Arial"/>
+              </a:rPr>
+              <a:t>Collect and process data!</a:t>
+            </a:r>
+          </a:p>
+          <a:p>
+            <a:pPr marL="800100" lvl="1" indent="-342900" eaLnBrk="0" hangingPunct="0">
+              <a:spcBef>
+                <a:spcPct val="20000"/>
+              </a:spcBef>
+              <a:buFont typeface="Arial" charset="0"/>
+              <a:buChar char="•"/>
+              <a:defRPr/>
+            </a:pPr>
+            <a:endParaRPr lang="en-US" sz="3200" b="1" kern="0" dirty="0">
+              <a:solidFill>
+                <a:srgbClr val="00B0F0"/>
+              </a:solidFill>
+              <a:latin typeface="Myriad Pro" panose="020B0503030403020204" pitchFamily="34" charset="0"/>
+              <a:cs typeface="Arial"/>
+            </a:endParaRPr>
+          </a:p>
+          <a:p>
+            <a:pPr marL="800100" lvl="1" indent="-342900" eaLnBrk="0" hangingPunct="0">
+              <a:spcBef>
+                <a:spcPct val="20000"/>
+              </a:spcBef>
+              <a:buFont typeface="Arial" charset="0"/>
+              <a:buChar char="•"/>
+              <a:defRPr/>
+            </a:pPr>
+            <a:endParaRPr lang="en-US" sz="3200" b="1" kern="0" dirty="0">
+              <a:solidFill>
+                <a:srgbClr val="00B0F0"/>
+              </a:solidFill>
+              <a:latin typeface="Myriad Pro" panose="020B0503030403020204" pitchFamily="34" charset="0"/>
+              <a:cs typeface="Arial"/>
+            </a:endParaRPr>
+          </a:p>
+          <a:p>
+            <a:pPr marL="800100" lvl="1" indent="-342900" eaLnBrk="0" hangingPunct="0">
+              <a:spcBef>
+                <a:spcPct val="20000"/>
+              </a:spcBef>
+              <a:buFont typeface="Arial" charset="0"/>
+              <a:buChar char="•"/>
+              <a:defRPr/>
+            </a:pPr>
+            <a:endParaRPr lang="en-US" sz="3200" b="1" kern="0" dirty="0">
+              <a:solidFill>
+                <a:srgbClr val="00B0F0"/>
+              </a:solidFill>
+              <a:latin typeface="Myriad Pro" panose="020B0503030403020204" pitchFamily="34" charset="0"/>
+              <a:cs typeface="+mn-cs"/>
+            </a:endParaRPr>
+          </a:p>
+        </p:txBody>
+      </p:sp>
+      <p:pic>
+        <p:nvPicPr>
+          <p:cNvPr id="9" name="Picture 8"/>
+          <p:cNvPicPr>
+            <a:picLocks noChangeAspect="1"/>
+          </p:cNvPicPr>
+          <p:nvPr/>
+        </p:nvPicPr>
+        <p:blipFill>
+          <a:blip r:embed="rId3" cstate="print">
+            <a:extLst>
+              <a:ext uri="{28A0092B-C50C-407E-A947-70E740481C1C}">
+                <a14:useLocalDpi xmlns:a14="http://schemas.microsoft.com/office/drawing/2010/main" val="0"/>
+              </a:ext>
+            </a:extLst>
+          </a:blip>
+          <a:stretch>
+            <a:fillRect/>
+          </a:stretch>
+        </p:blipFill>
+        <p:spPr>
+          <a:xfrm>
+            <a:off x="228600" y="6262222"/>
+            <a:ext cx="504657" cy="413681"/>
+          </a:xfrm>
+          <a:prstGeom prst="rect">
+            <a:avLst/>
+          </a:prstGeom>
+        </p:spPr>
+      </p:pic>
+    </p:spTree>
+    <p:extLst>
+      <p:ext uri="{BB962C8B-B14F-4D97-AF65-F5344CB8AC3E}">
+        <p14:creationId xmlns:p14="http://schemas.microsoft.com/office/powerpoint/2010/main" val="1057216610"/>
+      </p:ext>
+    </p:extLst>
+  </p:cSld>
+  <p:clrMapOvr>
+    <a:masterClrMapping/>
+  </p:clrMapOvr>
+  <p:timing>
+    <p:tnLst>
+      <p:par>
+        <p:cTn id="1" dur="indefinite" restart="never" nodeType="tmRoot">
+          <p:childTnLst>
+            <p:seq concurrent="1" nextAc="seek">
+              <p:cTn id="2" dur="indefinite" nodeType="mainSeq">
+                <p:childTnLst>
+                  <p:par>
+                    <p:cTn id="3" fill="hold">
+                      <p:stCondLst>
+                        <p:cond delay="indefinite"/>
+                      </p:stCondLst>
+                      <p:childTnLst>
+                        <p:par>
+                          <p:cTn id="4" fill="hold">
+                            <p:stCondLst>
+                              <p:cond delay="0"/>
+                            </p:stCondLst>
+                            <p:childTnLst>
+                              <p:par>
+                                <p:cTn id="5" presetID="2" presetClass="entr" presetSubtype="4" fill="hold" nodeType="clickEffect">
+                                  <p:stCondLst>
+                                    <p:cond delay="0"/>
+                                  </p:stCondLst>
+                                  <p:childTnLst>
+                                    <p:set>
+                                      <p:cBhvr>
+                                        <p:cTn id="6" dur="1" fill="hold">
+                                          <p:stCondLst>
+                                            <p:cond delay="0"/>
+                                          </p:stCondLst>
+                                        </p:cTn>
+                                        <p:tgtEl>
+                                          <p:spTgt spid="8">
+                                            <p:txEl>
+                                              <p:pRg st="1" end="1"/>
+                                            </p:txEl>
+                                          </p:spTgt>
+                                        </p:tgtEl>
+                                        <p:attrNameLst>
+                                          <p:attrName>style.visibility</p:attrName>
+                                        </p:attrNameLst>
+                                      </p:cBhvr>
+                                      <p:to>
+                                        <p:strVal val="visible"/>
+                                      </p:to>
+                                    </p:set>
+                                    <p:anim calcmode="lin" valueType="num">
+                                      <p:cBhvr additive="base">
+                                        <p:cTn id="7" dur="500" fill="hold"/>
+                                        <p:tgtEl>
+                                          <p:spTgt spid="8">
+                                            <p:txEl>
+                                              <p:pRg st="1" end="1"/>
+                                            </p:txEl>
+                                          </p:spTgt>
+                                        </p:tgtEl>
+                                        <p:attrNameLst>
+                                          <p:attrName>ppt_x</p:attrName>
+                                        </p:attrNameLst>
+                                      </p:cBhvr>
+                                      <p:tavLst>
+                                        <p:tav tm="0">
+                                          <p:val>
+                                            <p:strVal val="#ppt_x"/>
+                                          </p:val>
+                                        </p:tav>
+                                        <p:tav tm="100000">
+                                          <p:val>
+                                            <p:strVal val="#ppt_x"/>
+                                          </p:val>
+                                        </p:tav>
+                                      </p:tavLst>
+                                    </p:anim>
+                                    <p:anim calcmode="lin" valueType="num">
+                                      <p:cBhvr additive="base">
+                                        <p:cTn id="8" dur="500" fill="hold"/>
+                                        <p:tgtEl>
+                                          <p:spTgt spid="8">
+                                            <p:txEl>
+                                              <p:pRg st="1" end="1"/>
+                                            </p:txEl>
+                                          </p:spTgt>
+                                        </p:tgtEl>
+                                        <p:attrNameLst>
+                                          <p:attrName>ppt_y</p:attrName>
+                                        </p:attrNameLst>
+                                      </p:cBhvr>
+                                      <p:tavLst>
+                                        <p:tav tm="0">
+                                          <p:val>
+                                            <p:strVal val="1+#ppt_h/2"/>
+                                          </p:val>
+                                        </p:tav>
+                                        <p:tav tm="100000">
+                                          <p:val>
+                                            <p:strVal val="#ppt_y"/>
+                                          </p:val>
+                                        </p:tav>
+                                      </p:tavLst>
+                                    </p:anim>
+                                  </p:childTnLst>
+                                </p:cTn>
+                              </p:par>
+                            </p:childTnLst>
+                          </p:cTn>
+                        </p:par>
+                      </p:childTnLst>
+                    </p:cTn>
+                  </p:par>
+                </p:childTnLst>
+              </p:cTn>
+              <p:prevCondLst>
+                <p:cond evt="onPrev" delay="0">
+                  <p:tgtEl>
+                    <p:sldTgt/>
+                  </p:tgtEl>
+                </p:cond>
+              </p:prevCondLst>
+              <p:nextCondLst>
+                <p:cond evt="onNext" delay="0">
+                  <p:tgtEl>
+                    <p:sldTgt/>
+                  </p:tgtEl>
+                </p:cond>
+              </p:nextCondLst>
+            </p:seq>
+          </p:childTnLst>
+        </p:cTn>
+      </p:par>
+    </p:tnLst>
+  </p:timing>
+</p:sld>
+</file>
+
 <file path=ppt/slides/slide2.xml><?xml version="1.0" encoding="utf-8"?>
 <p:sld xmlns:a="http://schemas.openxmlformats.org/drawingml/2006/main" xmlns:r="http://schemas.openxmlformats.org/officeDocument/2006/relationships" xmlns:p="http://schemas.openxmlformats.org/presentationml/2006/main">
   <p:cSld>
@@ -42631,7 +43308,7 @@
         </p:blipFill>
         <p:spPr>
           <a:xfrm>
-            <a:off x="4499676" y="375061"/>
+            <a:off x="4528418" y="192964"/>
             <a:ext cx="3646652" cy="6482939"/>
           </a:xfrm>
           <a:prstGeom prst="rect">
@@ -43314,7 +43991,7 @@
         </p:blipFill>
         <p:spPr>
           <a:xfrm>
-            <a:off x="4499676" y="375062"/>
+            <a:off x="4528418" y="192967"/>
             <a:ext cx="3646652" cy="6482936"/>
           </a:xfrm>
           <a:prstGeom prst="rect">
@@ -43903,7 +44580,7 @@
         </p:blipFill>
         <p:spPr>
           <a:xfrm>
-            <a:off x="4499676" y="375062"/>
+            <a:off x="4528419" y="192967"/>
             <a:ext cx="3646651" cy="6482936"/>
           </a:xfrm>
           <a:prstGeom prst="rect">
@@ -44432,7 +45109,7 @@
         </p:blipFill>
         <p:spPr>
           <a:xfrm>
-            <a:off x="4499676" y="375062"/>
+            <a:off x="4528419" y="192968"/>
             <a:ext cx="3646651" cy="6482935"/>
           </a:xfrm>
           <a:prstGeom prst="rect">
@@ -45035,7 +45712,7 @@
         </p:blipFill>
         <p:spPr>
           <a:xfrm>
-            <a:off x="4499676" y="375062"/>
+            <a:off x="4528420" y="192968"/>
             <a:ext cx="3646650" cy="6482935"/>
           </a:xfrm>
           <a:prstGeom prst="rect">

--- a/Students/johnlusher/Project_3/ECEN689_Project_3_John_Lusher.pptx
+++ b/Students/johnlusher/Project_3/ECEN689_Project_3_John_Lusher.pptx
@@ -325,7 +325,7 @@
               <a:pPr>
                 <a:defRPr/>
               </a:pPr>
-              <a:t>4/22/2016</a:t>
+              <a:t>4/29/2016</a:t>
             </a:fld>
             <a:endParaRPr lang="en-US" dirty="0"/>
           </a:p>
@@ -21999,7 +21999,7 @@
             <a:fld id="{CB2467DD-8BC4-48D8-80A6-513BF04402DC}" type="datetimeFigureOut">
               <a:rPr lang="en-US" smtClean="0"/>
               <a:pPr/>
-              <a:t>4/22/2016</a:t>
+              <a:t>4/29/2016</a:t>
             </a:fld>
             <a:endParaRPr lang="en-US"/>
           </a:p>
@@ -22171,7 +22171,7 @@
             <a:fld id="{CB2467DD-8BC4-48D8-80A6-513BF04402DC}" type="datetimeFigureOut">
               <a:rPr lang="en-US" smtClean="0"/>
               <a:pPr/>
-              <a:t>4/22/2016</a:t>
+              <a:t>4/29/2016</a:t>
             </a:fld>
             <a:endParaRPr lang="en-US"/>
           </a:p>
@@ -22435,7 +22435,7 @@
             <a:fld id="{CB2467DD-8BC4-48D8-80A6-513BF04402DC}" type="datetimeFigureOut">
               <a:rPr lang="en-US" smtClean="0"/>
               <a:pPr/>
-              <a:t>4/22/2016</a:t>
+              <a:t>4/29/2016</a:t>
             </a:fld>
             <a:endParaRPr lang="en-US"/>
           </a:p>
@@ -22680,7 +22680,7 @@
             <a:fld id="{CB2467DD-8BC4-48D8-80A6-513BF04402DC}" type="datetimeFigureOut">
               <a:rPr lang="en-US" smtClean="0"/>
               <a:pPr/>
-              <a:t>4/22/2016</a:t>
+              <a:t>4/29/2016</a:t>
             </a:fld>
             <a:endParaRPr lang="en-US"/>
           </a:p>
@@ -23039,7 +23039,7 @@
             <a:fld id="{CB2467DD-8BC4-48D8-80A6-513BF04402DC}" type="datetimeFigureOut">
               <a:rPr lang="en-US" smtClean="0"/>
               <a:pPr/>
-              <a:t>4/22/2016</a:t>
+              <a:t>4/29/2016</a:t>
             </a:fld>
             <a:endParaRPr lang="en-US"/>
           </a:p>
@@ -23170,7 +23170,7 @@
             <a:fld id="{CB2467DD-8BC4-48D8-80A6-513BF04402DC}" type="datetimeFigureOut">
               <a:rPr lang="en-US" smtClean="0"/>
               <a:pPr/>
-              <a:t>4/22/2016</a:t>
+              <a:t>4/29/2016</a:t>
             </a:fld>
             <a:endParaRPr lang="en-US"/>
           </a:p>
@@ -23300,7 +23300,7 @@
             <a:fld id="{CB2467DD-8BC4-48D8-80A6-513BF04402DC}" type="datetimeFigureOut">
               <a:rPr lang="en-US" smtClean="0"/>
               <a:pPr/>
-              <a:t>4/22/2016</a:t>
+              <a:t>4/29/2016</a:t>
             </a:fld>
             <a:endParaRPr lang="en-US"/>
           </a:p>
@@ -23761,7 +23761,7 @@
             <a:fld id="{CB2467DD-8BC4-48D8-80A6-513BF04402DC}" type="datetimeFigureOut">
               <a:rPr lang="en-US" smtClean="0"/>
               <a:pPr/>
-              <a:t>4/22/2016</a:t>
+              <a:t>4/29/2016</a:t>
             </a:fld>
             <a:endParaRPr lang="en-US"/>
           </a:p>
@@ -24038,7 +24038,7 @@
             <a:fld id="{CB2467DD-8BC4-48D8-80A6-513BF04402DC}" type="datetimeFigureOut">
               <a:rPr lang="en-US" smtClean="0"/>
               <a:pPr/>
-              <a:t>4/22/2016</a:t>
+              <a:t>4/29/2016</a:t>
             </a:fld>
             <a:endParaRPr lang="en-US"/>
           </a:p>
@@ -24220,7 +24220,7 @@
             <a:fld id="{CB2467DD-8BC4-48D8-80A6-513BF04402DC}" type="datetimeFigureOut">
               <a:rPr lang="en-US" smtClean="0"/>
               <a:pPr/>
-              <a:t>4/22/2016</a:t>
+              <a:t>4/29/2016</a:t>
             </a:fld>
             <a:endParaRPr lang="en-US"/>
           </a:p>
@@ -24411,7 +24411,7 @@
             <a:fld id="{CB2467DD-8BC4-48D8-80A6-513BF04402DC}" type="datetimeFigureOut">
               <a:rPr lang="en-US" smtClean="0"/>
               <a:pPr/>
-              <a:t>4/22/2016</a:t>
+              <a:t>4/29/2016</a:t>
             </a:fld>
             <a:endParaRPr lang="en-US"/>
           </a:p>
@@ -24862,7 +24862,7 @@
             <a:fld id="{CB2467DD-8BC4-48D8-80A6-513BF04402DC}" type="datetimeFigureOut">
               <a:rPr lang="en-US" smtClean="0"/>
               <a:pPr/>
-              <a:t>4/22/2016</a:t>
+              <a:t>4/29/2016</a:t>
             </a:fld>
             <a:endParaRPr lang="en-US"/>
           </a:p>
@@ -25034,7 +25034,7 @@
             <a:fld id="{CB2467DD-8BC4-48D8-80A6-513BF04402DC}" type="datetimeFigureOut">
               <a:rPr lang="en-US" smtClean="0"/>
               <a:pPr/>
-              <a:t>4/22/2016</a:t>
+              <a:t>4/29/2016</a:t>
             </a:fld>
             <a:endParaRPr lang="en-US"/>
           </a:p>
@@ -25298,7 +25298,7 @@
             <a:fld id="{CB2467DD-8BC4-48D8-80A6-513BF04402DC}" type="datetimeFigureOut">
               <a:rPr lang="en-US" smtClean="0"/>
               <a:pPr/>
-              <a:t>4/22/2016</a:t>
+              <a:t>4/29/2016</a:t>
             </a:fld>
             <a:endParaRPr lang="en-US"/>
           </a:p>
@@ -25543,7 +25543,7 @@
             <a:fld id="{CB2467DD-8BC4-48D8-80A6-513BF04402DC}" type="datetimeFigureOut">
               <a:rPr lang="en-US" smtClean="0"/>
               <a:pPr/>
-              <a:t>4/22/2016</a:t>
+              <a:t>4/29/2016</a:t>
             </a:fld>
             <a:endParaRPr lang="en-US"/>
           </a:p>
@@ -25902,7 +25902,7 @@
             <a:fld id="{CB2467DD-8BC4-48D8-80A6-513BF04402DC}" type="datetimeFigureOut">
               <a:rPr lang="en-US" smtClean="0"/>
               <a:pPr/>
-              <a:t>4/22/2016</a:t>
+              <a:t>4/29/2016</a:t>
             </a:fld>
             <a:endParaRPr lang="en-US"/>
           </a:p>
@@ -26220,7 +26220,7 @@
             <a:fld id="{CB2467DD-8BC4-48D8-80A6-513BF04402DC}" type="datetimeFigureOut">
               <a:rPr lang="en-US" smtClean="0"/>
               <a:pPr/>
-              <a:t>4/22/2016</a:t>
+              <a:t>4/29/2016</a:t>
             </a:fld>
             <a:endParaRPr lang="en-US"/>
           </a:p>
@@ -26350,7 +26350,7 @@
             <a:fld id="{CB2467DD-8BC4-48D8-80A6-513BF04402DC}" type="datetimeFigureOut">
               <a:rPr lang="en-US" smtClean="0"/>
               <a:pPr/>
-              <a:t>4/22/2016</a:t>
+              <a:t>4/29/2016</a:t>
             </a:fld>
             <a:endParaRPr lang="en-US"/>
           </a:p>
@@ -26647,7 +26647,7 @@
             <a:fld id="{CB2467DD-8BC4-48D8-80A6-513BF04402DC}" type="datetimeFigureOut">
               <a:rPr lang="en-US" smtClean="0"/>
               <a:pPr/>
-              <a:t>4/22/2016</a:t>
+              <a:t>4/29/2016</a:t>
             </a:fld>
             <a:endParaRPr lang="en-US"/>
           </a:p>
@@ -26924,7 +26924,7 @@
             <a:fld id="{CB2467DD-8BC4-48D8-80A6-513BF04402DC}" type="datetimeFigureOut">
               <a:rPr lang="en-US" smtClean="0"/>
               <a:pPr/>
-              <a:t>4/22/2016</a:t>
+              <a:t>4/29/2016</a:t>
             </a:fld>
             <a:endParaRPr lang="en-US"/>
           </a:p>
@@ -27106,7 +27106,7 @@
             <a:fld id="{CB2467DD-8BC4-48D8-80A6-513BF04402DC}" type="datetimeFigureOut">
               <a:rPr lang="en-US" smtClean="0"/>
               <a:pPr/>
-              <a:t>4/22/2016</a:t>
+              <a:t>4/29/2016</a:t>
             </a:fld>
             <a:endParaRPr lang="en-US"/>
           </a:p>
@@ -27297,7 +27297,7 @@
             <a:fld id="{CB2467DD-8BC4-48D8-80A6-513BF04402DC}" type="datetimeFigureOut">
               <a:rPr lang="en-US" smtClean="0"/>
               <a:pPr/>
-              <a:t>4/22/2016</a:t>
+              <a:t>4/29/2016</a:t>
             </a:fld>
             <a:endParaRPr lang="en-US"/>
           </a:p>
@@ -27813,7 +27813,7 @@
             <a:fld id="{CB2467DD-8BC4-48D8-80A6-513BF04402DC}" type="datetimeFigureOut">
               <a:rPr lang="en-US" smtClean="0"/>
               <a:pPr/>
-              <a:t>4/22/2016</a:t>
+              <a:t>4/29/2016</a:t>
             </a:fld>
             <a:endParaRPr lang="en-US"/>
           </a:p>
@@ -28007,7 +28007,7 @@
             <a:fld id="{CB2467DD-8BC4-48D8-80A6-513BF04402DC}" type="datetimeFigureOut">
               <a:rPr lang="en-US" smtClean="0"/>
               <a:pPr/>
-              <a:t>4/22/2016</a:t>
+              <a:t>4/29/2016</a:t>
             </a:fld>
             <a:endParaRPr lang="en-US"/>
           </a:p>
@@ -28274,7 +28274,7 @@
             <a:fld id="{CB2467DD-8BC4-48D8-80A6-513BF04402DC}" type="datetimeFigureOut">
               <a:rPr lang="en-US" smtClean="0"/>
               <a:pPr/>
-              <a:t>4/22/2016</a:t>
+              <a:t>4/29/2016</a:t>
             </a:fld>
             <a:endParaRPr lang="en-US"/>
           </a:p>
@@ -28894,7 +28894,7 @@
             <a:fld id="{CB2467DD-8BC4-48D8-80A6-513BF04402DC}" type="datetimeFigureOut">
               <a:rPr lang="en-US" smtClean="0"/>
               <a:pPr/>
-              <a:t>4/22/2016</a:t>
+              <a:t>4/29/2016</a:t>
             </a:fld>
             <a:endParaRPr lang="en-US"/>
           </a:p>
@@ -29327,7 +29327,7 @@
             <a:fld id="{CB2467DD-8BC4-48D8-80A6-513BF04402DC}" type="datetimeFigureOut">
               <a:rPr lang="en-US" smtClean="0"/>
               <a:pPr/>
-              <a:t>4/22/2016</a:t>
+              <a:t>4/29/2016</a:t>
             </a:fld>
             <a:endParaRPr lang="en-US"/>
           </a:p>
@@ -29458,7 +29458,7 @@
             <a:fld id="{CB2467DD-8BC4-48D8-80A6-513BF04402DC}" type="datetimeFigureOut">
               <a:rPr lang="en-US" smtClean="0"/>
               <a:pPr/>
-              <a:t>4/22/2016</a:t>
+              <a:t>4/29/2016</a:t>
             </a:fld>
             <a:endParaRPr lang="en-US"/>
           </a:p>
@@ -29566,7 +29566,7 @@
             <a:fld id="{CB2467DD-8BC4-48D8-80A6-513BF04402DC}" type="datetimeFigureOut">
               <a:rPr lang="en-US" smtClean="0"/>
               <a:pPr/>
-              <a:t>4/22/2016</a:t>
+              <a:t>4/29/2016</a:t>
             </a:fld>
             <a:endParaRPr lang="en-US"/>
           </a:p>
@@ -29866,7 +29866,7 @@
             <a:fld id="{CB2467DD-8BC4-48D8-80A6-513BF04402DC}" type="datetimeFigureOut">
               <a:rPr lang="en-US" smtClean="0"/>
               <a:pPr/>
-              <a:t>4/22/2016</a:t>
+              <a:t>4/29/2016</a:t>
             </a:fld>
             <a:endParaRPr lang="en-US"/>
           </a:p>
@@ -30201,7 +30201,7 @@
             <a:fld id="{CB2467DD-8BC4-48D8-80A6-513BF04402DC}" type="datetimeFigureOut">
               <a:rPr lang="en-US" smtClean="0"/>
               <a:pPr/>
-              <a:t>4/22/2016</a:t>
+              <a:t>4/29/2016</a:t>
             </a:fld>
             <a:endParaRPr lang="en-US"/>
           </a:p>
@@ -30384,7 +30384,7 @@
             <a:fld id="{CB2467DD-8BC4-48D8-80A6-513BF04402DC}" type="datetimeFigureOut">
               <a:rPr lang="en-US" smtClean="0"/>
               <a:pPr/>
-              <a:t>4/22/2016</a:t>
+              <a:t>4/29/2016</a:t>
             </a:fld>
             <a:endParaRPr lang="en-US"/>
           </a:p>
@@ -30577,7 +30577,7 @@
             <a:fld id="{CB2467DD-8BC4-48D8-80A6-513BF04402DC}" type="datetimeFigureOut">
               <a:rPr lang="en-US" smtClean="0"/>
               <a:pPr/>
-              <a:t>4/22/2016</a:t>
+              <a:t>4/29/2016</a:t>
             </a:fld>
             <a:endParaRPr lang="en-US"/>
           </a:p>
@@ -33076,7 +33076,7 @@
             <a:fld id="{5586B75A-687E-405C-8A0B-8D00578BA2C3}" type="datetime1">
               <a:rPr lang="en-US" smtClean="0"/>
               <a:pPr/>
-              <a:t>4/22/2016</a:t>
+              <a:t>4/29/2016</a:t>
             </a:fld>
             <a:endParaRPr lang="en-US"/>
           </a:p>
@@ -33621,7 +33621,7 @@
             <a:fld id="{5586B75A-687E-405C-8A0B-8D00578BA2C3}" type="datetime1">
               <a:rPr lang="en-US" smtClean="0"/>
               <a:pPr/>
-              <a:t>4/22/2016</a:t>
+              <a:t>4/29/2016</a:t>
             </a:fld>
             <a:endParaRPr lang="en-US"/>
           </a:p>
@@ -34206,7 +34206,7 @@
             <a:fld id="{E28077EF-3DB9-4852-A8C8-9AA18A70A9F8}" type="datetimeFigureOut">
               <a:rPr lang="en-US" dirty="0"/>
               <a:pPr/>
-              <a:t>4/22/2016</a:t>
+              <a:t>4/29/2016</a:t>
             </a:fld>
             <a:endParaRPr lang="en-US" dirty="0"/>
           </a:p>
@@ -34786,7 +34786,7 @@
               <a:rPr lang="en-US" altLang="en-US" dirty="0">
                 <a:latin typeface="Myriad Pro" panose="020B0503030403020204" pitchFamily="34" charset="0"/>
               </a:rPr>
-              <a:t>April 22, 2016</a:t>
+              <a:t>April 29, 2016</a:t>
             </a:r>
           </a:p>
         </p:txBody>
@@ -40804,7 +40804,7 @@
         </p:nvSpPr>
         <p:spPr bwMode="auto">
           <a:xfrm>
-            <a:off x="366629" y="1691788"/>
+            <a:off x="247056" y="1731266"/>
             <a:ext cx="8441055" cy="4984115"/>
           </a:xfrm>
           <a:prstGeom prst="rect">
@@ -40987,7 +40987,7 @@
         </p:nvSpPr>
         <p:spPr bwMode="auto">
           <a:xfrm>
-            <a:off x="736193" y="2011680"/>
+            <a:off x="733256" y="3137921"/>
             <a:ext cx="6445651" cy="1691640"/>
           </a:xfrm>
           <a:prstGeom prst="rect">
@@ -41123,6 +41123,84 @@
           </a:prstGeom>
         </p:spPr>
       </p:pic>
+      <p:sp>
+        <p:nvSpPr>
+          <p:cNvPr id="3" name="Rectangle 2"/>
+          <p:cNvSpPr/>
+          <p:nvPr/>
+        </p:nvSpPr>
+        <p:spPr>
+          <a:xfrm>
+            <a:off x="733256" y="1546600"/>
+            <a:ext cx="6673383" cy="701731"/>
+          </a:xfrm>
+          <a:prstGeom prst="rect">
+            <a:avLst/>
+          </a:prstGeom>
+        </p:spPr>
+        <p:txBody>
+          <a:bodyPr wrap="square">
+            <a:spAutoFit/>
+          </a:bodyPr>
+          <a:lstStyle/>
+          <a:p>
+            <a:pPr marL="342900" indent="-342900" eaLnBrk="0" hangingPunct="0">
+              <a:spcBef>
+                <a:spcPct val="20000"/>
+              </a:spcBef>
+              <a:buFont typeface="Arial" charset="0"/>
+              <a:buChar char="•"/>
+              <a:defRPr/>
+            </a:pPr>
+            <a:r>
+              <a:rPr lang="en-US" kern="0" dirty="0">
+                <a:solidFill>
+                  <a:srgbClr val="4F4F4F"/>
+                </a:solidFill>
+                <a:latin typeface="Myriad Pro" panose="020B0503030403020204" pitchFamily="34" charset="0"/>
+              </a:rPr>
+              <a:t>Integrate with final hardware and test in actual test setting</a:t>
+            </a:r>
+          </a:p>
+          <a:p>
+            <a:pPr marL="342900" indent="-342900" eaLnBrk="0" hangingPunct="0">
+              <a:spcBef>
+                <a:spcPct val="20000"/>
+              </a:spcBef>
+              <a:buFont typeface="Arial" charset="0"/>
+              <a:buChar char="•"/>
+              <a:defRPr/>
+            </a:pPr>
+            <a:r>
+              <a:rPr lang="en-US" kern="0" dirty="0">
+                <a:solidFill>
+                  <a:srgbClr val="4F4F4F"/>
+                </a:solidFill>
+                <a:latin typeface="Myriad Pro" panose="020B0503030403020204" pitchFamily="34" charset="0"/>
+              </a:rPr>
+              <a:t>Integrate in </a:t>
+            </a:r>
+            <a:r>
+              <a:rPr lang="en-US" kern="0" dirty="0" err="1">
+                <a:solidFill>
+                  <a:srgbClr val="4F4F4F"/>
+                </a:solidFill>
+                <a:latin typeface="Myriad Pro" panose="020B0503030403020204" pitchFamily="34" charset="0"/>
+              </a:rPr>
+              <a:t>HackRF</a:t>
+            </a:r>
+            <a:r>
+              <a:rPr lang="en-US" kern="0" dirty="0">
+                <a:solidFill>
+                  <a:srgbClr val="4F4F4F"/>
+                </a:solidFill>
+                <a:latin typeface="Myriad Pro" panose="020B0503030403020204" pitchFamily="34" charset="0"/>
+              </a:rPr>
+              <a:t> One to use to collect data as well</a:t>
+            </a:r>
+          </a:p>
+        </p:txBody>
+      </p:sp>
     </p:spTree>
     <p:extLst>
       <p:ext uri="{BB962C8B-B14F-4D97-AF65-F5344CB8AC3E}">
@@ -41527,6 +41605,46 @@
                 <a:cs typeface="+mn-cs"/>
               </a:rPr>
               <a:t>Stores cell radio data set in database</a:t>
+            </a:r>
+          </a:p>
+          <a:p>
+            <a:pPr marL="342900" indent="-342900" eaLnBrk="0" hangingPunct="0">
+              <a:spcBef>
+                <a:spcPct val="20000"/>
+              </a:spcBef>
+              <a:buFont typeface="Arial" charset="0"/>
+              <a:buChar char="•"/>
+              <a:defRPr/>
+            </a:pPr>
+            <a:r>
+              <a:rPr lang="en-US" sz="2800" kern="0" dirty="0">
+                <a:solidFill>
+                  <a:srgbClr val="4F4F4F"/>
+                </a:solidFill>
+                <a:latin typeface="Myriad Pro" panose="020B0503030403020204" pitchFamily="34" charset="0"/>
+                <a:cs typeface="+mn-cs"/>
+              </a:rPr>
+              <a:t>Can support multiple COM ports (</a:t>
+            </a:r>
+            <a:r>
+              <a:rPr lang="en-US" sz="2800" kern="0" dirty="0" err="1">
+                <a:solidFill>
+                  <a:srgbClr val="4F4F4F"/>
+                </a:solidFill>
+                <a:latin typeface="Myriad Pro" panose="020B0503030403020204" pitchFamily="34" charset="0"/>
+                <a:cs typeface="+mn-cs"/>
+              </a:rPr>
+              <a:t>Xbee</a:t>
+            </a:r>
+            <a:r>
+              <a:rPr lang="en-US" sz="2800" kern="0" dirty="0">
+                <a:solidFill>
+                  <a:srgbClr val="4F4F4F"/>
+                </a:solidFill>
+                <a:latin typeface="Myriad Pro" panose="020B0503030403020204" pitchFamily="34" charset="0"/>
+                <a:cs typeface="+mn-cs"/>
+              </a:rPr>
+              <a:t>) devices</a:t>
             </a:r>
           </a:p>
           <a:p>

--- a/Students/johnlusher/Project_3/ECEN689_Project_3_John_Lusher.pptx
+++ b/Students/johnlusher/Project_3/ECEN689_Project_3_John_Lusher.pptx
@@ -325,7 +325,7 @@
               <a:pPr>
                 <a:defRPr/>
               </a:pPr>
-              <a:t>4/29/2016</a:t>
+              <a:t>4/30/2016</a:t>
             </a:fld>
             <a:endParaRPr lang="en-US" dirty="0"/>
           </a:p>
@@ -21999,7 +21999,7 @@
             <a:fld id="{CB2467DD-8BC4-48D8-80A6-513BF04402DC}" type="datetimeFigureOut">
               <a:rPr lang="en-US" smtClean="0"/>
               <a:pPr/>
-              <a:t>4/29/2016</a:t>
+              <a:t>4/30/2016</a:t>
             </a:fld>
             <a:endParaRPr lang="en-US"/>
           </a:p>
@@ -22171,7 +22171,7 @@
             <a:fld id="{CB2467DD-8BC4-48D8-80A6-513BF04402DC}" type="datetimeFigureOut">
               <a:rPr lang="en-US" smtClean="0"/>
               <a:pPr/>
-              <a:t>4/29/2016</a:t>
+              <a:t>4/30/2016</a:t>
             </a:fld>
             <a:endParaRPr lang="en-US"/>
           </a:p>
@@ -22435,7 +22435,7 @@
             <a:fld id="{CB2467DD-8BC4-48D8-80A6-513BF04402DC}" type="datetimeFigureOut">
               <a:rPr lang="en-US" smtClean="0"/>
               <a:pPr/>
-              <a:t>4/29/2016</a:t>
+              <a:t>4/30/2016</a:t>
             </a:fld>
             <a:endParaRPr lang="en-US"/>
           </a:p>
@@ -22680,7 +22680,7 @@
             <a:fld id="{CB2467DD-8BC4-48D8-80A6-513BF04402DC}" type="datetimeFigureOut">
               <a:rPr lang="en-US" smtClean="0"/>
               <a:pPr/>
-              <a:t>4/29/2016</a:t>
+              <a:t>4/30/2016</a:t>
             </a:fld>
             <a:endParaRPr lang="en-US"/>
           </a:p>
@@ -23039,7 +23039,7 @@
             <a:fld id="{CB2467DD-8BC4-48D8-80A6-513BF04402DC}" type="datetimeFigureOut">
               <a:rPr lang="en-US" smtClean="0"/>
               <a:pPr/>
-              <a:t>4/29/2016</a:t>
+              <a:t>4/30/2016</a:t>
             </a:fld>
             <a:endParaRPr lang="en-US"/>
           </a:p>
@@ -23170,7 +23170,7 @@
             <a:fld id="{CB2467DD-8BC4-48D8-80A6-513BF04402DC}" type="datetimeFigureOut">
               <a:rPr lang="en-US" smtClean="0"/>
               <a:pPr/>
-              <a:t>4/29/2016</a:t>
+              <a:t>4/30/2016</a:t>
             </a:fld>
             <a:endParaRPr lang="en-US"/>
           </a:p>
@@ -23300,7 +23300,7 @@
             <a:fld id="{CB2467DD-8BC4-48D8-80A6-513BF04402DC}" type="datetimeFigureOut">
               <a:rPr lang="en-US" smtClean="0"/>
               <a:pPr/>
-              <a:t>4/29/2016</a:t>
+              <a:t>4/30/2016</a:t>
             </a:fld>
             <a:endParaRPr lang="en-US"/>
           </a:p>
@@ -23761,7 +23761,7 @@
             <a:fld id="{CB2467DD-8BC4-48D8-80A6-513BF04402DC}" type="datetimeFigureOut">
               <a:rPr lang="en-US" smtClean="0"/>
               <a:pPr/>
-              <a:t>4/29/2016</a:t>
+              <a:t>4/30/2016</a:t>
             </a:fld>
             <a:endParaRPr lang="en-US"/>
           </a:p>
@@ -24038,7 +24038,7 @@
             <a:fld id="{CB2467DD-8BC4-48D8-80A6-513BF04402DC}" type="datetimeFigureOut">
               <a:rPr lang="en-US" smtClean="0"/>
               <a:pPr/>
-              <a:t>4/29/2016</a:t>
+              <a:t>4/30/2016</a:t>
             </a:fld>
             <a:endParaRPr lang="en-US"/>
           </a:p>
@@ -24220,7 +24220,7 @@
             <a:fld id="{CB2467DD-8BC4-48D8-80A6-513BF04402DC}" type="datetimeFigureOut">
               <a:rPr lang="en-US" smtClean="0"/>
               <a:pPr/>
-              <a:t>4/29/2016</a:t>
+              <a:t>4/30/2016</a:t>
             </a:fld>
             <a:endParaRPr lang="en-US"/>
           </a:p>
@@ -24411,7 +24411,7 @@
             <a:fld id="{CB2467DD-8BC4-48D8-80A6-513BF04402DC}" type="datetimeFigureOut">
               <a:rPr lang="en-US" smtClean="0"/>
               <a:pPr/>
-              <a:t>4/29/2016</a:t>
+              <a:t>4/30/2016</a:t>
             </a:fld>
             <a:endParaRPr lang="en-US"/>
           </a:p>
@@ -24862,7 +24862,7 @@
             <a:fld id="{CB2467DD-8BC4-48D8-80A6-513BF04402DC}" type="datetimeFigureOut">
               <a:rPr lang="en-US" smtClean="0"/>
               <a:pPr/>
-              <a:t>4/29/2016</a:t>
+              <a:t>4/30/2016</a:t>
             </a:fld>
             <a:endParaRPr lang="en-US"/>
           </a:p>
@@ -25034,7 +25034,7 @@
             <a:fld id="{CB2467DD-8BC4-48D8-80A6-513BF04402DC}" type="datetimeFigureOut">
               <a:rPr lang="en-US" smtClean="0"/>
               <a:pPr/>
-              <a:t>4/29/2016</a:t>
+              <a:t>4/30/2016</a:t>
             </a:fld>
             <a:endParaRPr lang="en-US"/>
           </a:p>
@@ -25298,7 +25298,7 @@
             <a:fld id="{CB2467DD-8BC4-48D8-80A6-513BF04402DC}" type="datetimeFigureOut">
               <a:rPr lang="en-US" smtClean="0"/>
               <a:pPr/>
-              <a:t>4/29/2016</a:t>
+              <a:t>4/30/2016</a:t>
             </a:fld>
             <a:endParaRPr lang="en-US"/>
           </a:p>
@@ -25543,7 +25543,7 @@
             <a:fld id="{CB2467DD-8BC4-48D8-80A6-513BF04402DC}" type="datetimeFigureOut">
               <a:rPr lang="en-US" smtClean="0"/>
               <a:pPr/>
-              <a:t>4/29/2016</a:t>
+              <a:t>4/30/2016</a:t>
             </a:fld>
             <a:endParaRPr lang="en-US"/>
           </a:p>
@@ -25902,7 +25902,7 @@
             <a:fld id="{CB2467DD-8BC4-48D8-80A6-513BF04402DC}" type="datetimeFigureOut">
               <a:rPr lang="en-US" smtClean="0"/>
               <a:pPr/>
-              <a:t>4/29/2016</a:t>
+              <a:t>4/30/2016</a:t>
             </a:fld>
             <a:endParaRPr lang="en-US"/>
           </a:p>
@@ -26220,7 +26220,7 @@
             <a:fld id="{CB2467DD-8BC4-48D8-80A6-513BF04402DC}" type="datetimeFigureOut">
               <a:rPr lang="en-US" smtClean="0"/>
               <a:pPr/>
-              <a:t>4/29/2016</a:t>
+              <a:t>4/30/2016</a:t>
             </a:fld>
             <a:endParaRPr lang="en-US"/>
           </a:p>
@@ -26350,7 +26350,7 @@
             <a:fld id="{CB2467DD-8BC4-48D8-80A6-513BF04402DC}" type="datetimeFigureOut">
               <a:rPr lang="en-US" smtClean="0"/>
               <a:pPr/>
-              <a:t>4/29/2016</a:t>
+              <a:t>4/30/2016</a:t>
             </a:fld>
             <a:endParaRPr lang="en-US"/>
           </a:p>
@@ -26647,7 +26647,7 @@
             <a:fld id="{CB2467DD-8BC4-48D8-80A6-513BF04402DC}" type="datetimeFigureOut">
               <a:rPr lang="en-US" smtClean="0"/>
               <a:pPr/>
-              <a:t>4/29/2016</a:t>
+              <a:t>4/30/2016</a:t>
             </a:fld>
             <a:endParaRPr lang="en-US"/>
           </a:p>
@@ -26924,7 +26924,7 @@
             <a:fld id="{CB2467DD-8BC4-48D8-80A6-513BF04402DC}" type="datetimeFigureOut">
               <a:rPr lang="en-US" smtClean="0"/>
               <a:pPr/>
-              <a:t>4/29/2016</a:t>
+              <a:t>4/30/2016</a:t>
             </a:fld>
             <a:endParaRPr lang="en-US"/>
           </a:p>
@@ -27106,7 +27106,7 @@
             <a:fld id="{CB2467DD-8BC4-48D8-80A6-513BF04402DC}" type="datetimeFigureOut">
               <a:rPr lang="en-US" smtClean="0"/>
               <a:pPr/>
-              <a:t>4/29/2016</a:t>
+              <a:t>4/30/2016</a:t>
             </a:fld>
             <a:endParaRPr lang="en-US"/>
           </a:p>
@@ -27297,7 +27297,7 @@
             <a:fld id="{CB2467DD-8BC4-48D8-80A6-513BF04402DC}" type="datetimeFigureOut">
               <a:rPr lang="en-US" smtClean="0"/>
               <a:pPr/>
-              <a:t>4/29/2016</a:t>
+              <a:t>4/30/2016</a:t>
             </a:fld>
             <a:endParaRPr lang="en-US"/>
           </a:p>
@@ -27813,7 +27813,7 @@
             <a:fld id="{CB2467DD-8BC4-48D8-80A6-513BF04402DC}" type="datetimeFigureOut">
               <a:rPr lang="en-US" smtClean="0"/>
               <a:pPr/>
-              <a:t>4/29/2016</a:t>
+              <a:t>4/30/2016</a:t>
             </a:fld>
             <a:endParaRPr lang="en-US"/>
           </a:p>
@@ -28007,7 +28007,7 @@
             <a:fld id="{CB2467DD-8BC4-48D8-80A6-513BF04402DC}" type="datetimeFigureOut">
               <a:rPr lang="en-US" smtClean="0"/>
               <a:pPr/>
-              <a:t>4/29/2016</a:t>
+              <a:t>4/30/2016</a:t>
             </a:fld>
             <a:endParaRPr lang="en-US"/>
           </a:p>
@@ -28274,7 +28274,7 @@
             <a:fld id="{CB2467DD-8BC4-48D8-80A6-513BF04402DC}" type="datetimeFigureOut">
               <a:rPr lang="en-US" smtClean="0"/>
               <a:pPr/>
-              <a:t>4/29/2016</a:t>
+              <a:t>4/30/2016</a:t>
             </a:fld>
             <a:endParaRPr lang="en-US"/>
           </a:p>
@@ -28894,7 +28894,7 @@
             <a:fld id="{CB2467DD-8BC4-48D8-80A6-513BF04402DC}" type="datetimeFigureOut">
               <a:rPr lang="en-US" smtClean="0"/>
               <a:pPr/>
-              <a:t>4/29/2016</a:t>
+              <a:t>4/30/2016</a:t>
             </a:fld>
             <a:endParaRPr lang="en-US"/>
           </a:p>
@@ -29327,7 +29327,7 @@
             <a:fld id="{CB2467DD-8BC4-48D8-80A6-513BF04402DC}" type="datetimeFigureOut">
               <a:rPr lang="en-US" smtClean="0"/>
               <a:pPr/>
-              <a:t>4/29/2016</a:t>
+              <a:t>4/30/2016</a:t>
             </a:fld>
             <a:endParaRPr lang="en-US"/>
           </a:p>
@@ -29458,7 +29458,7 @@
             <a:fld id="{CB2467DD-8BC4-48D8-80A6-513BF04402DC}" type="datetimeFigureOut">
               <a:rPr lang="en-US" smtClean="0"/>
               <a:pPr/>
-              <a:t>4/29/2016</a:t>
+              <a:t>4/30/2016</a:t>
             </a:fld>
             <a:endParaRPr lang="en-US"/>
           </a:p>
@@ -29566,7 +29566,7 @@
             <a:fld id="{CB2467DD-8BC4-48D8-80A6-513BF04402DC}" type="datetimeFigureOut">
               <a:rPr lang="en-US" smtClean="0"/>
               <a:pPr/>
-              <a:t>4/29/2016</a:t>
+              <a:t>4/30/2016</a:t>
             </a:fld>
             <a:endParaRPr lang="en-US"/>
           </a:p>
@@ -29866,7 +29866,7 @@
             <a:fld id="{CB2467DD-8BC4-48D8-80A6-513BF04402DC}" type="datetimeFigureOut">
               <a:rPr lang="en-US" smtClean="0"/>
               <a:pPr/>
-              <a:t>4/29/2016</a:t>
+              <a:t>4/30/2016</a:t>
             </a:fld>
             <a:endParaRPr lang="en-US"/>
           </a:p>
@@ -30201,7 +30201,7 @@
             <a:fld id="{CB2467DD-8BC4-48D8-80A6-513BF04402DC}" type="datetimeFigureOut">
               <a:rPr lang="en-US" smtClean="0"/>
               <a:pPr/>
-              <a:t>4/29/2016</a:t>
+              <a:t>4/30/2016</a:t>
             </a:fld>
             <a:endParaRPr lang="en-US"/>
           </a:p>
@@ -30384,7 +30384,7 @@
             <a:fld id="{CB2467DD-8BC4-48D8-80A6-513BF04402DC}" type="datetimeFigureOut">
               <a:rPr lang="en-US" smtClean="0"/>
               <a:pPr/>
-              <a:t>4/29/2016</a:t>
+              <a:t>4/30/2016</a:t>
             </a:fld>
             <a:endParaRPr lang="en-US"/>
           </a:p>
@@ -30577,7 +30577,7 @@
             <a:fld id="{CB2467DD-8BC4-48D8-80A6-513BF04402DC}" type="datetimeFigureOut">
               <a:rPr lang="en-US" smtClean="0"/>
               <a:pPr/>
-              <a:t>4/29/2016</a:t>
+              <a:t>4/30/2016</a:t>
             </a:fld>
             <a:endParaRPr lang="en-US"/>
           </a:p>
@@ -33076,7 +33076,7 @@
             <a:fld id="{5586B75A-687E-405C-8A0B-8D00578BA2C3}" type="datetime1">
               <a:rPr lang="en-US" smtClean="0"/>
               <a:pPr/>
-              <a:t>4/29/2016</a:t>
+              <a:t>4/30/2016</a:t>
             </a:fld>
             <a:endParaRPr lang="en-US"/>
           </a:p>
@@ -33621,7 +33621,7 @@
             <a:fld id="{5586B75A-687E-405C-8A0B-8D00578BA2C3}" type="datetime1">
               <a:rPr lang="en-US" smtClean="0"/>
               <a:pPr/>
-              <a:t>4/29/2016</a:t>
+              <a:t>4/30/2016</a:t>
             </a:fld>
             <a:endParaRPr lang="en-US"/>
           </a:p>
@@ -34206,7 +34206,7 @@
             <a:fld id="{E28077EF-3DB9-4852-A8C8-9AA18A70A9F8}" type="datetimeFigureOut">
               <a:rPr lang="en-US" dirty="0"/>
               <a:pPr/>
-              <a:t>4/29/2016</a:t>
+              <a:t>4/30/2016</a:t>
             </a:fld>
             <a:endParaRPr lang="en-US" dirty="0"/>
           </a:p>
@@ -41196,7 +41196,7 @@
                 </a:solidFill>
                 <a:latin typeface="Myriad Pro" panose="020B0503030403020204" pitchFamily="34" charset="0"/>
               </a:rPr>
-              <a:t> One to use to collect data as well</a:t>
+              <a:t> One to use to collect data</a:t>
             </a:r>
           </a:p>
         </p:txBody>
@@ -42989,6 +42989,43 @@
                 <a:cs typeface="+mn-cs"/>
               </a:rPr>
               <a:t> library to communications</a:t>
+            </a:r>
+          </a:p>
+          <a:p>
+            <a:pPr marL="342900" indent="-342900" eaLnBrk="0" hangingPunct="0">
+              <a:spcBef>
+                <a:spcPct val="20000"/>
+              </a:spcBef>
+              <a:buFont typeface="Arial" charset="0"/>
+              <a:buChar char="•"/>
+              <a:defRPr/>
+            </a:pPr>
+            <a:endParaRPr lang="en-US" sz="1500" kern="0" dirty="0">
+              <a:solidFill>
+                <a:srgbClr val="4F4F4F"/>
+              </a:solidFill>
+              <a:latin typeface="Myriad Pro" panose="020B0503030403020204" pitchFamily="34" charset="0"/>
+              <a:cs typeface="+mn-cs"/>
+            </a:endParaRPr>
+          </a:p>
+          <a:p>
+            <a:pPr marL="342900" indent="-342900" eaLnBrk="0" hangingPunct="0">
+              <a:spcBef>
+                <a:spcPct val="20000"/>
+              </a:spcBef>
+              <a:buFont typeface="Arial" charset="0"/>
+              <a:buChar char="•"/>
+              <a:defRPr/>
+            </a:pPr>
+            <a:r>
+              <a:rPr lang="en-US" sz="1500" kern="0" dirty="0">
+                <a:solidFill>
+                  <a:srgbClr val="4F4F4F"/>
+                </a:solidFill>
+                <a:latin typeface="Myriad Pro" panose="020B0503030403020204" pitchFamily="34" charset="0"/>
+                <a:cs typeface="+mn-cs"/>
+              </a:rPr>
+              <a:t>Support for up to three devices is now supported.</a:t>
             </a:r>
           </a:p>
           <a:p>

--- a/Students/johnlusher/Project_3/ECEN689_Project_3_John_Lusher.pptx
+++ b/Students/johnlusher/Project_3/ECEN689_Project_3_John_Lusher.pptx
@@ -325,7 +325,7 @@
               <a:pPr>
                 <a:defRPr/>
               </a:pPr>
-              <a:t>4/30/2016</a:t>
+              <a:t>5/2/2016</a:t>
             </a:fld>
             <a:endParaRPr lang="en-US" dirty="0"/>
           </a:p>
@@ -21999,7 +21999,7 @@
             <a:fld id="{CB2467DD-8BC4-48D8-80A6-513BF04402DC}" type="datetimeFigureOut">
               <a:rPr lang="en-US" smtClean="0"/>
               <a:pPr/>
-              <a:t>4/30/2016</a:t>
+              <a:t>5/2/2016</a:t>
             </a:fld>
             <a:endParaRPr lang="en-US"/>
           </a:p>
@@ -22171,7 +22171,7 @@
             <a:fld id="{CB2467DD-8BC4-48D8-80A6-513BF04402DC}" type="datetimeFigureOut">
               <a:rPr lang="en-US" smtClean="0"/>
               <a:pPr/>
-              <a:t>4/30/2016</a:t>
+              <a:t>5/2/2016</a:t>
             </a:fld>
             <a:endParaRPr lang="en-US"/>
           </a:p>
@@ -22435,7 +22435,7 @@
             <a:fld id="{CB2467DD-8BC4-48D8-80A6-513BF04402DC}" type="datetimeFigureOut">
               <a:rPr lang="en-US" smtClean="0"/>
               <a:pPr/>
-              <a:t>4/30/2016</a:t>
+              <a:t>5/2/2016</a:t>
             </a:fld>
             <a:endParaRPr lang="en-US"/>
           </a:p>
@@ -22680,7 +22680,7 @@
             <a:fld id="{CB2467DD-8BC4-48D8-80A6-513BF04402DC}" type="datetimeFigureOut">
               <a:rPr lang="en-US" smtClean="0"/>
               <a:pPr/>
-              <a:t>4/30/2016</a:t>
+              <a:t>5/2/2016</a:t>
             </a:fld>
             <a:endParaRPr lang="en-US"/>
           </a:p>
@@ -23039,7 +23039,7 @@
             <a:fld id="{CB2467DD-8BC4-48D8-80A6-513BF04402DC}" type="datetimeFigureOut">
               <a:rPr lang="en-US" smtClean="0"/>
               <a:pPr/>
-              <a:t>4/30/2016</a:t>
+              <a:t>5/2/2016</a:t>
             </a:fld>
             <a:endParaRPr lang="en-US"/>
           </a:p>
@@ -23170,7 +23170,7 @@
             <a:fld id="{CB2467DD-8BC4-48D8-80A6-513BF04402DC}" type="datetimeFigureOut">
               <a:rPr lang="en-US" smtClean="0"/>
               <a:pPr/>
-              <a:t>4/30/2016</a:t>
+              <a:t>5/2/2016</a:t>
             </a:fld>
             <a:endParaRPr lang="en-US"/>
           </a:p>
@@ -23300,7 +23300,7 @@
             <a:fld id="{CB2467DD-8BC4-48D8-80A6-513BF04402DC}" type="datetimeFigureOut">
               <a:rPr lang="en-US" smtClean="0"/>
               <a:pPr/>
-              <a:t>4/30/2016</a:t>
+              <a:t>5/2/2016</a:t>
             </a:fld>
             <a:endParaRPr lang="en-US"/>
           </a:p>
@@ -23761,7 +23761,7 @@
             <a:fld id="{CB2467DD-8BC4-48D8-80A6-513BF04402DC}" type="datetimeFigureOut">
               <a:rPr lang="en-US" smtClean="0"/>
               <a:pPr/>
-              <a:t>4/30/2016</a:t>
+              <a:t>5/2/2016</a:t>
             </a:fld>
             <a:endParaRPr lang="en-US"/>
           </a:p>
@@ -24038,7 +24038,7 @@
             <a:fld id="{CB2467DD-8BC4-48D8-80A6-513BF04402DC}" type="datetimeFigureOut">
               <a:rPr lang="en-US" smtClean="0"/>
               <a:pPr/>
-              <a:t>4/30/2016</a:t>
+              <a:t>5/2/2016</a:t>
             </a:fld>
             <a:endParaRPr lang="en-US"/>
           </a:p>
@@ -24220,7 +24220,7 @@
             <a:fld id="{CB2467DD-8BC4-48D8-80A6-513BF04402DC}" type="datetimeFigureOut">
               <a:rPr lang="en-US" smtClean="0"/>
               <a:pPr/>
-              <a:t>4/30/2016</a:t>
+              <a:t>5/2/2016</a:t>
             </a:fld>
             <a:endParaRPr lang="en-US"/>
           </a:p>
@@ -24411,7 +24411,7 @@
             <a:fld id="{CB2467DD-8BC4-48D8-80A6-513BF04402DC}" type="datetimeFigureOut">
               <a:rPr lang="en-US" smtClean="0"/>
               <a:pPr/>
-              <a:t>4/30/2016</a:t>
+              <a:t>5/2/2016</a:t>
             </a:fld>
             <a:endParaRPr lang="en-US"/>
           </a:p>
@@ -24862,7 +24862,7 @@
             <a:fld id="{CB2467DD-8BC4-48D8-80A6-513BF04402DC}" type="datetimeFigureOut">
               <a:rPr lang="en-US" smtClean="0"/>
               <a:pPr/>
-              <a:t>4/30/2016</a:t>
+              <a:t>5/2/2016</a:t>
             </a:fld>
             <a:endParaRPr lang="en-US"/>
           </a:p>
@@ -25034,7 +25034,7 @@
             <a:fld id="{CB2467DD-8BC4-48D8-80A6-513BF04402DC}" type="datetimeFigureOut">
               <a:rPr lang="en-US" smtClean="0"/>
               <a:pPr/>
-              <a:t>4/30/2016</a:t>
+              <a:t>5/2/2016</a:t>
             </a:fld>
             <a:endParaRPr lang="en-US"/>
           </a:p>
@@ -25298,7 +25298,7 @@
             <a:fld id="{CB2467DD-8BC4-48D8-80A6-513BF04402DC}" type="datetimeFigureOut">
               <a:rPr lang="en-US" smtClean="0"/>
               <a:pPr/>
-              <a:t>4/30/2016</a:t>
+              <a:t>5/2/2016</a:t>
             </a:fld>
             <a:endParaRPr lang="en-US"/>
           </a:p>
@@ -25543,7 +25543,7 @@
             <a:fld id="{CB2467DD-8BC4-48D8-80A6-513BF04402DC}" type="datetimeFigureOut">
               <a:rPr lang="en-US" smtClean="0"/>
               <a:pPr/>
-              <a:t>4/30/2016</a:t>
+              <a:t>5/2/2016</a:t>
             </a:fld>
             <a:endParaRPr lang="en-US"/>
           </a:p>
@@ -25902,7 +25902,7 @@
             <a:fld id="{CB2467DD-8BC4-48D8-80A6-513BF04402DC}" type="datetimeFigureOut">
               <a:rPr lang="en-US" smtClean="0"/>
               <a:pPr/>
-              <a:t>4/30/2016</a:t>
+              <a:t>5/2/2016</a:t>
             </a:fld>
             <a:endParaRPr lang="en-US"/>
           </a:p>
@@ -26220,7 +26220,7 @@
             <a:fld id="{CB2467DD-8BC4-48D8-80A6-513BF04402DC}" type="datetimeFigureOut">
               <a:rPr lang="en-US" smtClean="0"/>
               <a:pPr/>
-              <a:t>4/30/2016</a:t>
+              <a:t>5/2/2016</a:t>
             </a:fld>
             <a:endParaRPr lang="en-US"/>
           </a:p>
@@ -26350,7 +26350,7 @@
             <a:fld id="{CB2467DD-8BC4-48D8-80A6-513BF04402DC}" type="datetimeFigureOut">
               <a:rPr lang="en-US" smtClean="0"/>
               <a:pPr/>
-              <a:t>4/30/2016</a:t>
+              <a:t>5/2/2016</a:t>
             </a:fld>
             <a:endParaRPr lang="en-US"/>
           </a:p>
@@ -26647,7 +26647,7 @@
             <a:fld id="{CB2467DD-8BC4-48D8-80A6-513BF04402DC}" type="datetimeFigureOut">
               <a:rPr lang="en-US" smtClean="0"/>
               <a:pPr/>
-              <a:t>4/30/2016</a:t>
+              <a:t>5/2/2016</a:t>
             </a:fld>
             <a:endParaRPr lang="en-US"/>
           </a:p>
@@ -26924,7 +26924,7 @@
             <a:fld id="{CB2467DD-8BC4-48D8-80A6-513BF04402DC}" type="datetimeFigureOut">
               <a:rPr lang="en-US" smtClean="0"/>
               <a:pPr/>
-              <a:t>4/30/2016</a:t>
+              <a:t>5/2/2016</a:t>
             </a:fld>
             <a:endParaRPr lang="en-US"/>
           </a:p>
@@ -27106,7 +27106,7 @@
             <a:fld id="{CB2467DD-8BC4-48D8-80A6-513BF04402DC}" type="datetimeFigureOut">
               <a:rPr lang="en-US" smtClean="0"/>
               <a:pPr/>
-              <a:t>4/30/2016</a:t>
+              <a:t>5/2/2016</a:t>
             </a:fld>
             <a:endParaRPr lang="en-US"/>
           </a:p>
@@ -27297,7 +27297,7 @@
             <a:fld id="{CB2467DD-8BC4-48D8-80A6-513BF04402DC}" type="datetimeFigureOut">
               <a:rPr lang="en-US" smtClean="0"/>
               <a:pPr/>
-              <a:t>4/30/2016</a:t>
+              <a:t>5/2/2016</a:t>
             </a:fld>
             <a:endParaRPr lang="en-US"/>
           </a:p>
@@ -27813,7 +27813,7 @@
             <a:fld id="{CB2467DD-8BC4-48D8-80A6-513BF04402DC}" type="datetimeFigureOut">
               <a:rPr lang="en-US" smtClean="0"/>
               <a:pPr/>
-              <a:t>4/30/2016</a:t>
+              <a:t>5/2/2016</a:t>
             </a:fld>
             <a:endParaRPr lang="en-US"/>
           </a:p>
@@ -28007,7 +28007,7 @@
             <a:fld id="{CB2467DD-8BC4-48D8-80A6-513BF04402DC}" type="datetimeFigureOut">
               <a:rPr lang="en-US" smtClean="0"/>
               <a:pPr/>
-              <a:t>4/30/2016</a:t>
+              <a:t>5/2/2016</a:t>
             </a:fld>
             <a:endParaRPr lang="en-US"/>
           </a:p>
@@ -28274,7 +28274,7 @@
             <a:fld id="{CB2467DD-8BC4-48D8-80A6-513BF04402DC}" type="datetimeFigureOut">
               <a:rPr lang="en-US" smtClean="0"/>
               <a:pPr/>
-              <a:t>4/30/2016</a:t>
+              <a:t>5/2/2016</a:t>
             </a:fld>
             <a:endParaRPr lang="en-US"/>
           </a:p>
@@ -28894,7 +28894,7 @@
             <a:fld id="{CB2467DD-8BC4-48D8-80A6-513BF04402DC}" type="datetimeFigureOut">
               <a:rPr lang="en-US" smtClean="0"/>
               <a:pPr/>
-              <a:t>4/30/2016</a:t>
+              <a:t>5/2/2016</a:t>
             </a:fld>
             <a:endParaRPr lang="en-US"/>
           </a:p>
@@ -29327,7 +29327,7 @@
             <a:fld id="{CB2467DD-8BC4-48D8-80A6-513BF04402DC}" type="datetimeFigureOut">
               <a:rPr lang="en-US" smtClean="0"/>
               <a:pPr/>
-              <a:t>4/30/2016</a:t>
+              <a:t>5/2/2016</a:t>
             </a:fld>
             <a:endParaRPr lang="en-US"/>
           </a:p>
@@ -29458,7 +29458,7 @@
             <a:fld id="{CB2467DD-8BC4-48D8-80A6-513BF04402DC}" type="datetimeFigureOut">
               <a:rPr lang="en-US" smtClean="0"/>
               <a:pPr/>
-              <a:t>4/30/2016</a:t>
+              <a:t>5/2/2016</a:t>
             </a:fld>
             <a:endParaRPr lang="en-US"/>
           </a:p>
@@ -29566,7 +29566,7 @@
             <a:fld id="{CB2467DD-8BC4-48D8-80A6-513BF04402DC}" type="datetimeFigureOut">
               <a:rPr lang="en-US" smtClean="0"/>
               <a:pPr/>
-              <a:t>4/30/2016</a:t>
+              <a:t>5/2/2016</a:t>
             </a:fld>
             <a:endParaRPr lang="en-US"/>
           </a:p>
@@ -29866,7 +29866,7 @@
             <a:fld id="{CB2467DD-8BC4-48D8-80A6-513BF04402DC}" type="datetimeFigureOut">
               <a:rPr lang="en-US" smtClean="0"/>
               <a:pPr/>
-              <a:t>4/30/2016</a:t>
+              <a:t>5/2/2016</a:t>
             </a:fld>
             <a:endParaRPr lang="en-US"/>
           </a:p>
@@ -30201,7 +30201,7 @@
             <a:fld id="{CB2467DD-8BC4-48D8-80A6-513BF04402DC}" type="datetimeFigureOut">
               <a:rPr lang="en-US" smtClean="0"/>
               <a:pPr/>
-              <a:t>4/30/2016</a:t>
+              <a:t>5/2/2016</a:t>
             </a:fld>
             <a:endParaRPr lang="en-US"/>
           </a:p>
@@ -30384,7 +30384,7 @@
             <a:fld id="{CB2467DD-8BC4-48D8-80A6-513BF04402DC}" type="datetimeFigureOut">
               <a:rPr lang="en-US" smtClean="0"/>
               <a:pPr/>
-              <a:t>4/30/2016</a:t>
+              <a:t>5/2/2016</a:t>
             </a:fld>
             <a:endParaRPr lang="en-US"/>
           </a:p>
@@ -30577,7 +30577,7 @@
             <a:fld id="{CB2467DD-8BC4-48D8-80A6-513BF04402DC}" type="datetimeFigureOut">
               <a:rPr lang="en-US" smtClean="0"/>
               <a:pPr/>
-              <a:t>4/30/2016</a:t>
+              <a:t>5/2/2016</a:t>
             </a:fld>
             <a:endParaRPr lang="en-US"/>
           </a:p>
@@ -33076,7 +33076,7 @@
             <a:fld id="{5586B75A-687E-405C-8A0B-8D00578BA2C3}" type="datetime1">
               <a:rPr lang="en-US" smtClean="0"/>
               <a:pPr/>
-              <a:t>4/30/2016</a:t>
+              <a:t>5/2/2016</a:t>
             </a:fld>
             <a:endParaRPr lang="en-US"/>
           </a:p>
@@ -33621,7 +33621,7 @@
             <a:fld id="{5586B75A-687E-405C-8A0B-8D00578BA2C3}" type="datetime1">
               <a:rPr lang="en-US" smtClean="0"/>
               <a:pPr/>
-              <a:t>4/30/2016</a:t>
+              <a:t>5/2/2016</a:t>
             </a:fld>
             <a:endParaRPr lang="en-US"/>
           </a:p>
@@ -34206,7 +34206,7 @@
             <a:fld id="{E28077EF-3DB9-4852-A8C8-9AA18A70A9F8}" type="datetimeFigureOut">
               <a:rPr lang="en-US" dirty="0"/>
               <a:pPr/>
-              <a:t>4/30/2016</a:t>
+              <a:t>5/2/2016</a:t>
             </a:fld>
             <a:endParaRPr lang="en-US" dirty="0"/>
           </a:p>
@@ -43463,8 +43463,8 @@
         </p:blipFill>
         <p:spPr>
           <a:xfrm>
-            <a:off x="4528418" y="192964"/>
-            <a:ext cx="3646652" cy="6482939"/>
+            <a:off x="4528418" y="192965"/>
+            <a:ext cx="3646652" cy="6482936"/>
           </a:xfrm>
           <a:prstGeom prst="rect">
             <a:avLst/>
